--- a/Lecture_09.pptx
+++ b/Lecture_09.pptx
@@ -1,12 +1,19 @@
 
 <file path=ppt/presentation.xml><?xml version="1.0" encoding="utf-8"?>
-<p:presentation xmlns:a="http://schemas.openxmlformats.org/drawingml/2006/main" xmlns:r="http://schemas.openxmlformats.org/officeDocument/2006/relationships" xmlns:p="http://schemas.openxmlformats.org/presentationml/2006/main" saveSubsetFonts="1">
+<p:presentation xmlns:a="http://schemas.openxmlformats.org/drawingml/2006/main" xmlns:r="http://schemas.openxmlformats.org/officeDocument/2006/relationships" xmlns:p="http://schemas.openxmlformats.org/presentationml/2006/main" saveSubsetFonts="1" autoCompressPictures="0">
   <p:sldMasterIdLst>
     <p:sldMasterId id="2147483648" r:id="rId1"/>
   </p:sldMasterIdLst>
   <p:sldIdLst>
     <p:sldId id="256" r:id="rId2"/>
     <p:sldId id="257" r:id="rId3"/>
+    <p:sldId id="258" r:id="rId4"/>
+    <p:sldId id="259" r:id="rId5"/>
+    <p:sldId id="260" r:id="rId6"/>
+    <p:sldId id="261" r:id="rId7"/>
+    <p:sldId id="262" r:id="rId8"/>
+    <p:sldId id="263" r:id="rId9"/>
+    <p:sldId id="264" r:id="rId10"/>
   </p:sldIdLst>
   <p:sldSz cx="12192000" cy="6858000"/>
   <p:notesSz cx="6858000" cy="9144000"/>
@@ -105,6 +112,11 @@
       </a:defRPr>
     </a:lvl9pPr>
   </p:defaultTextStyle>
+  <p:extLst>
+    <p:ext uri="{EFAFB233-063F-42B5-8137-9DF3F51BA10A}">
+      <p15:sldGuideLst xmlns:p15="http://schemas.microsoft.com/office/powerpoint/2012/main"/>
+    </p:ext>
+  </p:extLst>
 </p:presentation>
 </file>
 
@@ -127,7 +139,13 @@
       </p:grpSpPr>
       <p:sp>
         <p:nvSpPr>
-          <p:cNvPr id="2" name="Title 1"/>
+          <p:cNvPr id="2" name="Title 1">
+            <a:extLst>
+              <a:ext uri="{FF2B5EF4-FFF2-40B4-BE49-F238E27FC236}">
+                <a16:creationId xmlns:a16="http://schemas.microsoft.com/office/drawing/2014/main" id="{F756B4E6-9C73-4047-B3D9-95B3771802E8}"/>
+              </a:ext>
+            </a:extLst>
+          </p:cNvPr>
           <p:cNvSpPr>
             <a:spLocks noGrp="1"/>
           </p:cNvSpPr>
@@ -150,16 +168,21 @@
           </a:lstStyle>
           <a:p>
             <a:r>
-              <a:rPr lang="en-US" smtClean="0"/>
+              <a:rPr lang="en-US"/>
               <a:t>Click to edit Master title style</a:t>
             </a:r>
-            <a:endParaRPr lang="en-CA"/>
-          </a:p>
-        </p:txBody>
-      </p:sp>
-      <p:sp>
-        <p:nvSpPr>
-          <p:cNvPr id="3" name="Subtitle 2"/>
+          </a:p>
+        </p:txBody>
+      </p:sp>
+      <p:sp>
+        <p:nvSpPr>
+          <p:cNvPr id="3" name="Subtitle 2">
+            <a:extLst>
+              <a:ext uri="{FF2B5EF4-FFF2-40B4-BE49-F238E27FC236}">
+                <a16:creationId xmlns:a16="http://schemas.microsoft.com/office/drawing/2014/main" id="{37E42597-C750-6F43-A6C4-36F9C2830057}"/>
+              </a:ext>
+            </a:extLst>
+          </p:cNvPr>
           <p:cNvSpPr>
             <a:spLocks noGrp="1"/>
           </p:cNvSpPr>
@@ -215,39 +238,50 @@
           </a:lstStyle>
           <a:p>
             <a:r>
+              <a:rPr lang="en-US"/>
+              <a:t>Click to edit Master subtitle style</a:t>
+            </a:r>
+          </a:p>
+        </p:txBody>
+      </p:sp>
+      <p:sp>
+        <p:nvSpPr>
+          <p:cNvPr id="4" name="Date Placeholder 3">
+            <a:extLst>
+              <a:ext uri="{FF2B5EF4-FFF2-40B4-BE49-F238E27FC236}">
+                <a16:creationId xmlns:a16="http://schemas.microsoft.com/office/drawing/2014/main" id="{EAD27771-3FED-934D-B9C7-46AD20780FDE}"/>
+              </a:ext>
+            </a:extLst>
+          </p:cNvPr>
+          <p:cNvSpPr>
+            <a:spLocks noGrp="1"/>
+          </p:cNvSpPr>
+          <p:nvPr>
+            <p:ph type="dt" sz="half" idx="10"/>
+          </p:nvPr>
+        </p:nvSpPr>
+        <p:spPr/>
+        <p:txBody>
+          <a:bodyPr/>
+          <a:lstStyle/>
+          <a:p>
+            <a:fld id="{81C20578-04BE-3244-ADA0-079C6029EE3B}" type="datetimeFigureOut">
               <a:rPr lang="en-US" smtClean="0"/>
-              <a:t>Click to edit Master subtitle style</a:t>
-            </a:r>
-            <a:endParaRPr lang="en-CA"/>
-          </a:p>
-        </p:txBody>
-      </p:sp>
-      <p:sp>
-        <p:nvSpPr>
-          <p:cNvPr id="4" name="Date Placeholder 3"/>
-          <p:cNvSpPr>
-            <a:spLocks noGrp="1"/>
-          </p:cNvSpPr>
-          <p:nvPr>
-            <p:ph type="dt" sz="half" idx="10"/>
-          </p:nvPr>
-        </p:nvSpPr>
-        <p:spPr/>
-        <p:txBody>
-          <a:bodyPr/>
-          <a:lstStyle/>
-          <a:p>
-            <a:fld id="{CCEC24E2-9EAA-4FB7-AADF-E85F904A0AFD}" type="datetimeFigureOut">
-              <a:rPr lang="en-CA" smtClean="0"/>
-              <a:t>2019-10-07</a:t>
+              <a:t>10/10/2019</a:t>
             </a:fld>
-            <a:endParaRPr lang="en-CA"/>
-          </a:p>
-        </p:txBody>
-      </p:sp>
-      <p:sp>
-        <p:nvSpPr>
-          <p:cNvPr id="5" name="Footer Placeholder 4"/>
+            <a:endParaRPr lang="en-US"/>
+          </a:p>
+        </p:txBody>
+      </p:sp>
+      <p:sp>
+        <p:nvSpPr>
+          <p:cNvPr id="5" name="Footer Placeholder 4">
+            <a:extLst>
+              <a:ext uri="{FF2B5EF4-FFF2-40B4-BE49-F238E27FC236}">
+                <a16:creationId xmlns:a16="http://schemas.microsoft.com/office/drawing/2014/main" id="{F6F99172-F982-4C45-9045-61E0A3286D86}"/>
+              </a:ext>
+            </a:extLst>
+          </p:cNvPr>
           <p:cNvSpPr>
             <a:spLocks noGrp="1"/>
           </p:cNvSpPr>
@@ -260,13 +294,19 @@
           <a:bodyPr/>
           <a:lstStyle/>
           <a:p>
-            <a:endParaRPr lang="en-CA"/>
-          </a:p>
-        </p:txBody>
-      </p:sp>
-      <p:sp>
-        <p:nvSpPr>
-          <p:cNvPr id="6" name="Slide Number Placeholder 5"/>
+            <a:endParaRPr lang="en-US"/>
+          </a:p>
+        </p:txBody>
+      </p:sp>
+      <p:sp>
+        <p:nvSpPr>
+          <p:cNvPr id="6" name="Slide Number Placeholder 5">
+            <a:extLst>
+              <a:ext uri="{FF2B5EF4-FFF2-40B4-BE49-F238E27FC236}">
+                <a16:creationId xmlns:a16="http://schemas.microsoft.com/office/drawing/2014/main" id="{4AEE6BC8-9141-5045-8EA2-652B71DE137F}"/>
+              </a:ext>
+            </a:extLst>
+          </p:cNvPr>
           <p:cNvSpPr>
             <a:spLocks noGrp="1"/>
           </p:cNvSpPr>
@@ -279,18 +319,18 @@
           <a:bodyPr/>
           <a:lstStyle/>
           <a:p>
-            <a:fld id="{232D5694-21D2-4D68-A3B4-5FDACFB76574}" type="slidenum">
-              <a:rPr lang="en-CA" smtClean="0"/>
+            <a:fld id="{74BE2071-D48E-674C-9971-8DCADAB2FA09}" type="slidenum">
+              <a:rPr lang="en-US" smtClean="0"/>
               <a:t>‹#›</a:t>
             </a:fld>
-            <a:endParaRPr lang="en-CA"/>
+            <a:endParaRPr lang="en-US"/>
           </a:p>
         </p:txBody>
       </p:sp>
     </p:spTree>
     <p:extLst>
       <p:ext uri="{BB962C8B-B14F-4D97-AF65-F5344CB8AC3E}">
-        <p14:creationId xmlns:p14="http://schemas.microsoft.com/office/powerpoint/2010/main" val="2980470822"/>
+        <p14:creationId xmlns:p14="http://schemas.microsoft.com/office/powerpoint/2010/main" val="1989562743"/>
       </p:ext>
     </p:extLst>
   </p:cSld>
@@ -319,7 +359,13 @@
       </p:grpSpPr>
       <p:sp>
         <p:nvSpPr>
-          <p:cNvPr id="2" name="Title 1"/>
+          <p:cNvPr id="2" name="Title 1">
+            <a:extLst>
+              <a:ext uri="{FF2B5EF4-FFF2-40B4-BE49-F238E27FC236}">
+                <a16:creationId xmlns:a16="http://schemas.microsoft.com/office/drawing/2014/main" id="{0CDC20C1-320E-944F-B7E3-900F0123A9B5}"/>
+              </a:ext>
+            </a:extLst>
+          </p:cNvPr>
           <p:cNvSpPr>
             <a:spLocks noGrp="1"/>
           </p:cNvSpPr>
@@ -333,134 +379,156 @@
           <a:lstStyle/>
           <a:p>
             <a:r>
+              <a:rPr lang="en-US"/>
+              <a:t>Click to edit Master title style</a:t>
+            </a:r>
+          </a:p>
+        </p:txBody>
+      </p:sp>
+      <p:sp>
+        <p:nvSpPr>
+          <p:cNvPr id="3" name="Vertical Text Placeholder 2">
+            <a:extLst>
+              <a:ext uri="{FF2B5EF4-FFF2-40B4-BE49-F238E27FC236}">
+                <a16:creationId xmlns:a16="http://schemas.microsoft.com/office/drawing/2014/main" id="{BFF6017B-147B-1F4F-A53C-09648695A199}"/>
+              </a:ext>
+            </a:extLst>
+          </p:cNvPr>
+          <p:cNvSpPr>
+            <a:spLocks noGrp="1"/>
+          </p:cNvSpPr>
+          <p:nvPr>
+            <p:ph type="body" orient="vert" idx="1"/>
+          </p:nvPr>
+        </p:nvSpPr>
+        <p:spPr/>
+        <p:txBody>
+          <a:bodyPr vert="eaVert"/>
+          <a:lstStyle/>
+          <a:p>
+            <a:pPr lvl="0"/>
+            <a:r>
+              <a:rPr lang="en-US"/>
+              <a:t>Edit Master text styles</a:t>
+            </a:r>
+          </a:p>
+          <a:p>
+            <a:pPr lvl="1"/>
+            <a:r>
+              <a:rPr lang="en-US"/>
+              <a:t>Second level</a:t>
+            </a:r>
+          </a:p>
+          <a:p>
+            <a:pPr lvl="2"/>
+            <a:r>
+              <a:rPr lang="en-US"/>
+              <a:t>Third level</a:t>
+            </a:r>
+          </a:p>
+          <a:p>
+            <a:pPr lvl="3"/>
+            <a:r>
+              <a:rPr lang="en-US"/>
+              <a:t>Fourth level</a:t>
+            </a:r>
+          </a:p>
+          <a:p>
+            <a:pPr lvl="4"/>
+            <a:r>
+              <a:rPr lang="en-US"/>
+              <a:t>Fifth level</a:t>
+            </a:r>
+          </a:p>
+        </p:txBody>
+      </p:sp>
+      <p:sp>
+        <p:nvSpPr>
+          <p:cNvPr id="4" name="Date Placeholder 3">
+            <a:extLst>
+              <a:ext uri="{FF2B5EF4-FFF2-40B4-BE49-F238E27FC236}">
+                <a16:creationId xmlns:a16="http://schemas.microsoft.com/office/drawing/2014/main" id="{F29715AF-CD8A-C049-A187-E1D578A99299}"/>
+              </a:ext>
+            </a:extLst>
+          </p:cNvPr>
+          <p:cNvSpPr>
+            <a:spLocks noGrp="1"/>
+          </p:cNvSpPr>
+          <p:nvPr>
+            <p:ph type="dt" sz="half" idx="10"/>
+          </p:nvPr>
+        </p:nvSpPr>
+        <p:spPr/>
+        <p:txBody>
+          <a:bodyPr/>
+          <a:lstStyle/>
+          <a:p>
+            <a:fld id="{81C20578-04BE-3244-ADA0-079C6029EE3B}" type="datetimeFigureOut">
               <a:rPr lang="en-US" smtClean="0"/>
-              <a:t>Click to edit Master title style</a:t>
-            </a:r>
-            <a:endParaRPr lang="en-CA"/>
-          </a:p>
-        </p:txBody>
-      </p:sp>
-      <p:sp>
-        <p:nvSpPr>
-          <p:cNvPr id="3" name="Vertical Text Placeholder 2"/>
-          <p:cNvSpPr>
-            <a:spLocks noGrp="1"/>
-          </p:cNvSpPr>
-          <p:nvPr>
-            <p:ph type="body" orient="vert" idx="1"/>
-          </p:nvPr>
-        </p:nvSpPr>
-        <p:spPr/>
-        <p:txBody>
-          <a:bodyPr vert="eaVert"/>
-          <a:lstStyle/>
-          <a:p>
-            <a:pPr lvl="0"/>
-            <a:r>
+              <a:t>10/10/2019</a:t>
+            </a:fld>
+            <a:endParaRPr lang="en-US"/>
+          </a:p>
+        </p:txBody>
+      </p:sp>
+      <p:sp>
+        <p:nvSpPr>
+          <p:cNvPr id="5" name="Footer Placeholder 4">
+            <a:extLst>
+              <a:ext uri="{FF2B5EF4-FFF2-40B4-BE49-F238E27FC236}">
+                <a16:creationId xmlns:a16="http://schemas.microsoft.com/office/drawing/2014/main" id="{2AB0C273-BD38-814C-9351-CA9785288C53}"/>
+              </a:ext>
+            </a:extLst>
+          </p:cNvPr>
+          <p:cNvSpPr>
+            <a:spLocks noGrp="1"/>
+          </p:cNvSpPr>
+          <p:nvPr>
+            <p:ph type="ftr" sz="quarter" idx="11"/>
+          </p:nvPr>
+        </p:nvSpPr>
+        <p:spPr/>
+        <p:txBody>
+          <a:bodyPr/>
+          <a:lstStyle/>
+          <a:p>
+            <a:endParaRPr lang="en-US"/>
+          </a:p>
+        </p:txBody>
+      </p:sp>
+      <p:sp>
+        <p:nvSpPr>
+          <p:cNvPr id="6" name="Slide Number Placeholder 5">
+            <a:extLst>
+              <a:ext uri="{FF2B5EF4-FFF2-40B4-BE49-F238E27FC236}">
+                <a16:creationId xmlns:a16="http://schemas.microsoft.com/office/drawing/2014/main" id="{F37D7B28-4E29-D44C-B5BA-E313403EC0DD}"/>
+              </a:ext>
+            </a:extLst>
+          </p:cNvPr>
+          <p:cNvSpPr>
+            <a:spLocks noGrp="1"/>
+          </p:cNvSpPr>
+          <p:nvPr>
+            <p:ph type="sldNum" sz="quarter" idx="12"/>
+          </p:nvPr>
+        </p:nvSpPr>
+        <p:spPr/>
+        <p:txBody>
+          <a:bodyPr/>
+          <a:lstStyle/>
+          <a:p>
+            <a:fld id="{74BE2071-D48E-674C-9971-8DCADAB2FA09}" type="slidenum">
               <a:rPr lang="en-US" smtClean="0"/>
-              <a:t>Edit Master text styles</a:t>
-            </a:r>
-          </a:p>
-          <a:p>
-            <a:pPr lvl="1"/>
-            <a:r>
-              <a:rPr lang="en-US" smtClean="0"/>
-              <a:t>Second level</a:t>
-            </a:r>
-          </a:p>
-          <a:p>
-            <a:pPr lvl="2"/>
-            <a:r>
-              <a:rPr lang="en-US" smtClean="0"/>
-              <a:t>Third level</a:t>
-            </a:r>
-          </a:p>
-          <a:p>
-            <a:pPr lvl="3"/>
-            <a:r>
-              <a:rPr lang="en-US" smtClean="0"/>
-              <a:t>Fourth level</a:t>
-            </a:r>
-          </a:p>
-          <a:p>
-            <a:pPr lvl="4"/>
-            <a:r>
-              <a:rPr lang="en-US" smtClean="0"/>
-              <a:t>Fifth level</a:t>
-            </a:r>
-            <a:endParaRPr lang="en-CA"/>
-          </a:p>
-        </p:txBody>
-      </p:sp>
-      <p:sp>
-        <p:nvSpPr>
-          <p:cNvPr id="4" name="Date Placeholder 3"/>
-          <p:cNvSpPr>
-            <a:spLocks noGrp="1"/>
-          </p:cNvSpPr>
-          <p:nvPr>
-            <p:ph type="dt" sz="half" idx="10"/>
-          </p:nvPr>
-        </p:nvSpPr>
-        <p:spPr/>
-        <p:txBody>
-          <a:bodyPr/>
-          <a:lstStyle/>
-          <a:p>
-            <a:fld id="{CCEC24E2-9EAA-4FB7-AADF-E85F904A0AFD}" type="datetimeFigureOut">
-              <a:rPr lang="en-CA" smtClean="0"/>
-              <a:t>2019-10-07</a:t>
-            </a:fld>
-            <a:endParaRPr lang="en-CA"/>
-          </a:p>
-        </p:txBody>
-      </p:sp>
-      <p:sp>
-        <p:nvSpPr>
-          <p:cNvPr id="5" name="Footer Placeholder 4"/>
-          <p:cNvSpPr>
-            <a:spLocks noGrp="1"/>
-          </p:cNvSpPr>
-          <p:nvPr>
-            <p:ph type="ftr" sz="quarter" idx="11"/>
-          </p:nvPr>
-        </p:nvSpPr>
-        <p:spPr/>
-        <p:txBody>
-          <a:bodyPr/>
-          <a:lstStyle/>
-          <a:p>
-            <a:endParaRPr lang="en-CA"/>
-          </a:p>
-        </p:txBody>
-      </p:sp>
-      <p:sp>
-        <p:nvSpPr>
-          <p:cNvPr id="6" name="Slide Number Placeholder 5"/>
-          <p:cNvSpPr>
-            <a:spLocks noGrp="1"/>
-          </p:cNvSpPr>
-          <p:nvPr>
-            <p:ph type="sldNum" sz="quarter" idx="12"/>
-          </p:nvPr>
-        </p:nvSpPr>
-        <p:spPr/>
-        <p:txBody>
-          <a:bodyPr/>
-          <a:lstStyle/>
-          <a:p>
-            <a:fld id="{232D5694-21D2-4D68-A3B4-5FDACFB76574}" type="slidenum">
-              <a:rPr lang="en-CA" smtClean="0"/>
               <a:t>‹#›</a:t>
             </a:fld>
-            <a:endParaRPr lang="en-CA"/>
+            <a:endParaRPr lang="en-US"/>
           </a:p>
         </p:txBody>
       </p:sp>
     </p:spTree>
     <p:extLst>
       <p:ext uri="{BB962C8B-B14F-4D97-AF65-F5344CB8AC3E}">
-        <p14:creationId xmlns:p14="http://schemas.microsoft.com/office/powerpoint/2010/main" val="3483145029"/>
+        <p14:creationId xmlns:p14="http://schemas.microsoft.com/office/powerpoint/2010/main" val="4140700706"/>
       </p:ext>
     </p:extLst>
   </p:cSld>
@@ -489,7 +557,13 @@
       </p:grpSpPr>
       <p:sp>
         <p:nvSpPr>
-          <p:cNvPr id="2" name="Vertical Title 1"/>
+          <p:cNvPr id="2" name="Vertical Title 1">
+            <a:extLst>
+              <a:ext uri="{FF2B5EF4-FFF2-40B4-BE49-F238E27FC236}">
+                <a16:creationId xmlns:a16="http://schemas.microsoft.com/office/drawing/2014/main" id="{BDCA7A68-3C3C-8945-9318-E0F8D9D6A18E}"/>
+              </a:ext>
+            </a:extLst>
+          </p:cNvPr>
           <p:cNvSpPr>
             <a:spLocks noGrp="1"/>
           </p:cNvSpPr>
@@ -508,16 +582,21 @@
           <a:lstStyle/>
           <a:p>
             <a:r>
-              <a:rPr lang="en-US" smtClean="0"/>
+              <a:rPr lang="en-US"/>
               <a:t>Click to edit Master title style</a:t>
             </a:r>
-            <a:endParaRPr lang="en-CA"/>
-          </a:p>
-        </p:txBody>
-      </p:sp>
-      <p:sp>
-        <p:nvSpPr>
-          <p:cNvPr id="3" name="Vertical Text Placeholder 2"/>
+          </a:p>
+        </p:txBody>
+      </p:sp>
+      <p:sp>
+        <p:nvSpPr>
+          <p:cNvPr id="3" name="Vertical Text Placeholder 2">
+            <a:extLst>
+              <a:ext uri="{FF2B5EF4-FFF2-40B4-BE49-F238E27FC236}">
+                <a16:creationId xmlns:a16="http://schemas.microsoft.com/office/drawing/2014/main" id="{4D8A481D-73B8-F84A-A1D7-0E1A0B917438}"/>
+              </a:ext>
+            </a:extLst>
+          </p:cNvPr>
           <p:cNvSpPr>
             <a:spLocks noGrp="1"/>
           </p:cNvSpPr>
@@ -537,110 +616,127 @@
           <a:p>
             <a:pPr lvl="0"/>
             <a:r>
+              <a:rPr lang="en-US"/>
+              <a:t>Edit Master text styles</a:t>
+            </a:r>
+          </a:p>
+          <a:p>
+            <a:pPr lvl="1"/>
+            <a:r>
+              <a:rPr lang="en-US"/>
+              <a:t>Second level</a:t>
+            </a:r>
+          </a:p>
+          <a:p>
+            <a:pPr lvl="2"/>
+            <a:r>
+              <a:rPr lang="en-US"/>
+              <a:t>Third level</a:t>
+            </a:r>
+          </a:p>
+          <a:p>
+            <a:pPr lvl="3"/>
+            <a:r>
+              <a:rPr lang="en-US"/>
+              <a:t>Fourth level</a:t>
+            </a:r>
+          </a:p>
+          <a:p>
+            <a:pPr lvl="4"/>
+            <a:r>
+              <a:rPr lang="en-US"/>
+              <a:t>Fifth level</a:t>
+            </a:r>
+          </a:p>
+        </p:txBody>
+      </p:sp>
+      <p:sp>
+        <p:nvSpPr>
+          <p:cNvPr id="4" name="Date Placeholder 3">
+            <a:extLst>
+              <a:ext uri="{FF2B5EF4-FFF2-40B4-BE49-F238E27FC236}">
+                <a16:creationId xmlns:a16="http://schemas.microsoft.com/office/drawing/2014/main" id="{F92AB675-E172-6F45-918E-71DE85D75291}"/>
+              </a:ext>
+            </a:extLst>
+          </p:cNvPr>
+          <p:cNvSpPr>
+            <a:spLocks noGrp="1"/>
+          </p:cNvSpPr>
+          <p:nvPr>
+            <p:ph type="dt" sz="half" idx="10"/>
+          </p:nvPr>
+        </p:nvSpPr>
+        <p:spPr/>
+        <p:txBody>
+          <a:bodyPr/>
+          <a:lstStyle/>
+          <a:p>
+            <a:fld id="{81C20578-04BE-3244-ADA0-079C6029EE3B}" type="datetimeFigureOut">
               <a:rPr lang="en-US" smtClean="0"/>
-              <a:t>Edit Master text styles</a:t>
-            </a:r>
-          </a:p>
-          <a:p>
-            <a:pPr lvl="1"/>
-            <a:r>
+              <a:t>10/10/2019</a:t>
+            </a:fld>
+            <a:endParaRPr lang="en-US"/>
+          </a:p>
+        </p:txBody>
+      </p:sp>
+      <p:sp>
+        <p:nvSpPr>
+          <p:cNvPr id="5" name="Footer Placeholder 4">
+            <a:extLst>
+              <a:ext uri="{FF2B5EF4-FFF2-40B4-BE49-F238E27FC236}">
+                <a16:creationId xmlns:a16="http://schemas.microsoft.com/office/drawing/2014/main" id="{6773D52F-7041-A641-B600-D2700BB91A0F}"/>
+              </a:ext>
+            </a:extLst>
+          </p:cNvPr>
+          <p:cNvSpPr>
+            <a:spLocks noGrp="1"/>
+          </p:cNvSpPr>
+          <p:nvPr>
+            <p:ph type="ftr" sz="quarter" idx="11"/>
+          </p:nvPr>
+        </p:nvSpPr>
+        <p:spPr/>
+        <p:txBody>
+          <a:bodyPr/>
+          <a:lstStyle/>
+          <a:p>
+            <a:endParaRPr lang="en-US"/>
+          </a:p>
+        </p:txBody>
+      </p:sp>
+      <p:sp>
+        <p:nvSpPr>
+          <p:cNvPr id="6" name="Slide Number Placeholder 5">
+            <a:extLst>
+              <a:ext uri="{FF2B5EF4-FFF2-40B4-BE49-F238E27FC236}">
+                <a16:creationId xmlns:a16="http://schemas.microsoft.com/office/drawing/2014/main" id="{F65E36B7-17BF-E642-B57A-994E0C1ED98C}"/>
+              </a:ext>
+            </a:extLst>
+          </p:cNvPr>
+          <p:cNvSpPr>
+            <a:spLocks noGrp="1"/>
+          </p:cNvSpPr>
+          <p:nvPr>
+            <p:ph type="sldNum" sz="quarter" idx="12"/>
+          </p:nvPr>
+        </p:nvSpPr>
+        <p:spPr/>
+        <p:txBody>
+          <a:bodyPr/>
+          <a:lstStyle/>
+          <a:p>
+            <a:fld id="{74BE2071-D48E-674C-9971-8DCADAB2FA09}" type="slidenum">
               <a:rPr lang="en-US" smtClean="0"/>
-              <a:t>Second level</a:t>
-            </a:r>
-          </a:p>
-          <a:p>
-            <a:pPr lvl="2"/>
-            <a:r>
-              <a:rPr lang="en-US" smtClean="0"/>
-              <a:t>Third level</a:t>
-            </a:r>
-          </a:p>
-          <a:p>
-            <a:pPr lvl="3"/>
-            <a:r>
-              <a:rPr lang="en-US" smtClean="0"/>
-              <a:t>Fourth level</a:t>
-            </a:r>
-          </a:p>
-          <a:p>
-            <a:pPr lvl="4"/>
-            <a:r>
-              <a:rPr lang="en-US" smtClean="0"/>
-              <a:t>Fifth level</a:t>
-            </a:r>
-            <a:endParaRPr lang="en-CA"/>
-          </a:p>
-        </p:txBody>
-      </p:sp>
-      <p:sp>
-        <p:nvSpPr>
-          <p:cNvPr id="4" name="Date Placeholder 3"/>
-          <p:cNvSpPr>
-            <a:spLocks noGrp="1"/>
-          </p:cNvSpPr>
-          <p:nvPr>
-            <p:ph type="dt" sz="half" idx="10"/>
-          </p:nvPr>
-        </p:nvSpPr>
-        <p:spPr/>
-        <p:txBody>
-          <a:bodyPr/>
-          <a:lstStyle/>
-          <a:p>
-            <a:fld id="{CCEC24E2-9EAA-4FB7-AADF-E85F904A0AFD}" type="datetimeFigureOut">
-              <a:rPr lang="en-CA" smtClean="0"/>
-              <a:t>2019-10-07</a:t>
-            </a:fld>
-            <a:endParaRPr lang="en-CA"/>
-          </a:p>
-        </p:txBody>
-      </p:sp>
-      <p:sp>
-        <p:nvSpPr>
-          <p:cNvPr id="5" name="Footer Placeholder 4"/>
-          <p:cNvSpPr>
-            <a:spLocks noGrp="1"/>
-          </p:cNvSpPr>
-          <p:nvPr>
-            <p:ph type="ftr" sz="quarter" idx="11"/>
-          </p:nvPr>
-        </p:nvSpPr>
-        <p:spPr/>
-        <p:txBody>
-          <a:bodyPr/>
-          <a:lstStyle/>
-          <a:p>
-            <a:endParaRPr lang="en-CA"/>
-          </a:p>
-        </p:txBody>
-      </p:sp>
-      <p:sp>
-        <p:nvSpPr>
-          <p:cNvPr id="6" name="Slide Number Placeholder 5"/>
-          <p:cNvSpPr>
-            <a:spLocks noGrp="1"/>
-          </p:cNvSpPr>
-          <p:nvPr>
-            <p:ph type="sldNum" sz="quarter" idx="12"/>
-          </p:nvPr>
-        </p:nvSpPr>
-        <p:spPr/>
-        <p:txBody>
-          <a:bodyPr/>
-          <a:lstStyle/>
-          <a:p>
-            <a:fld id="{232D5694-21D2-4D68-A3B4-5FDACFB76574}" type="slidenum">
-              <a:rPr lang="en-CA" smtClean="0"/>
               <a:t>‹#›</a:t>
             </a:fld>
-            <a:endParaRPr lang="en-CA"/>
+            <a:endParaRPr lang="en-US"/>
           </a:p>
         </p:txBody>
       </p:sp>
     </p:spTree>
     <p:extLst>
       <p:ext uri="{BB962C8B-B14F-4D97-AF65-F5344CB8AC3E}">
-        <p14:creationId xmlns:p14="http://schemas.microsoft.com/office/powerpoint/2010/main" val="2842541941"/>
+        <p14:creationId xmlns:p14="http://schemas.microsoft.com/office/powerpoint/2010/main" val="939887845"/>
       </p:ext>
     </p:extLst>
   </p:cSld>
@@ -669,7 +765,13 @@
       </p:grpSpPr>
       <p:sp>
         <p:nvSpPr>
-          <p:cNvPr id="2" name="Title 1"/>
+          <p:cNvPr id="2" name="Title 1">
+            <a:extLst>
+              <a:ext uri="{FF2B5EF4-FFF2-40B4-BE49-F238E27FC236}">
+                <a16:creationId xmlns:a16="http://schemas.microsoft.com/office/drawing/2014/main" id="{16C84F1E-9269-9E4D-A4BE-6BDAB94D3BD2}"/>
+              </a:ext>
+            </a:extLst>
+          </p:cNvPr>
           <p:cNvSpPr>
             <a:spLocks noGrp="1"/>
           </p:cNvSpPr>
@@ -683,134 +785,156 @@
           <a:lstStyle/>
           <a:p>
             <a:r>
+              <a:rPr lang="en-US"/>
+              <a:t>Click to edit Master title style</a:t>
+            </a:r>
+          </a:p>
+        </p:txBody>
+      </p:sp>
+      <p:sp>
+        <p:nvSpPr>
+          <p:cNvPr id="3" name="Content Placeholder 2">
+            <a:extLst>
+              <a:ext uri="{FF2B5EF4-FFF2-40B4-BE49-F238E27FC236}">
+                <a16:creationId xmlns:a16="http://schemas.microsoft.com/office/drawing/2014/main" id="{5C176FA8-1ED7-BA43-A650-DE1DF08C73FE}"/>
+              </a:ext>
+            </a:extLst>
+          </p:cNvPr>
+          <p:cNvSpPr>
+            <a:spLocks noGrp="1"/>
+          </p:cNvSpPr>
+          <p:nvPr>
+            <p:ph idx="1"/>
+          </p:nvPr>
+        </p:nvSpPr>
+        <p:spPr/>
+        <p:txBody>
+          <a:bodyPr/>
+          <a:lstStyle/>
+          <a:p>
+            <a:pPr lvl="0"/>
+            <a:r>
+              <a:rPr lang="en-US"/>
+              <a:t>Edit Master text styles</a:t>
+            </a:r>
+          </a:p>
+          <a:p>
+            <a:pPr lvl="1"/>
+            <a:r>
+              <a:rPr lang="en-US"/>
+              <a:t>Second level</a:t>
+            </a:r>
+          </a:p>
+          <a:p>
+            <a:pPr lvl="2"/>
+            <a:r>
+              <a:rPr lang="en-US"/>
+              <a:t>Third level</a:t>
+            </a:r>
+          </a:p>
+          <a:p>
+            <a:pPr lvl="3"/>
+            <a:r>
+              <a:rPr lang="en-US"/>
+              <a:t>Fourth level</a:t>
+            </a:r>
+          </a:p>
+          <a:p>
+            <a:pPr lvl="4"/>
+            <a:r>
+              <a:rPr lang="en-US"/>
+              <a:t>Fifth level</a:t>
+            </a:r>
+          </a:p>
+        </p:txBody>
+      </p:sp>
+      <p:sp>
+        <p:nvSpPr>
+          <p:cNvPr id="4" name="Date Placeholder 3">
+            <a:extLst>
+              <a:ext uri="{FF2B5EF4-FFF2-40B4-BE49-F238E27FC236}">
+                <a16:creationId xmlns:a16="http://schemas.microsoft.com/office/drawing/2014/main" id="{1628E73B-C419-0A46-A114-8FF59D0BC66D}"/>
+              </a:ext>
+            </a:extLst>
+          </p:cNvPr>
+          <p:cNvSpPr>
+            <a:spLocks noGrp="1"/>
+          </p:cNvSpPr>
+          <p:nvPr>
+            <p:ph type="dt" sz="half" idx="10"/>
+          </p:nvPr>
+        </p:nvSpPr>
+        <p:spPr/>
+        <p:txBody>
+          <a:bodyPr/>
+          <a:lstStyle/>
+          <a:p>
+            <a:fld id="{81C20578-04BE-3244-ADA0-079C6029EE3B}" type="datetimeFigureOut">
               <a:rPr lang="en-US" smtClean="0"/>
-              <a:t>Click to edit Master title style</a:t>
-            </a:r>
-            <a:endParaRPr lang="en-CA"/>
-          </a:p>
-        </p:txBody>
-      </p:sp>
-      <p:sp>
-        <p:nvSpPr>
-          <p:cNvPr id="3" name="Content Placeholder 2"/>
-          <p:cNvSpPr>
-            <a:spLocks noGrp="1"/>
-          </p:cNvSpPr>
-          <p:nvPr>
-            <p:ph idx="1"/>
-          </p:nvPr>
-        </p:nvSpPr>
-        <p:spPr/>
-        <p:txBody>
-          <a:bodyPr/>
-          <a:lstStyle/>
-          <a:p>
-            <a:pPr lvl="0"/>
-            <a:r>
+              <a:t>10/10/2019</a:t>
+            </a:fld>
+            <a:endParaRPr lang="en-US"/>
+          </a:p>
+        </p:txBody>
+      </p:sp>
+      <p:sp>
+        <p:nvSpPr>
+          <p:cNvPr id="5" name="Footer Placeholder 4">
+            <a:extLst>
+              <a:ext uri="{FF2B5EF4-FFF2-40B4-BE49-F238E27FC236}">
+                <a16:creationId xmlns:a16="http://schemas.microsoft.com/office/drawing/2014/main" id="{ABC22B31-E1F4-A442-A7A6-61455D4F52F5}"/>
+              </a:ext>
+            </a:extLst>
+          </p:cNvPr>
+          <p:cNvSpPr>
+            <a:spLocks noGrp="1"/>
+          </p:cNvSpPr>
+          <p:nvPr>
+            <p:ph type="ftr" sz="quarter" idx="11"/>
+          </p:nvPr>
+        </p:nvSpPr>
+        <p:spPr/>
+        <p:txBody>
+          <a:bodyPr/>
+          <a:lstStyle/>
+          <a:p>
+            <a:endParaRPr lang="en-US"/>
+          </a:p>
+        </p:txBody>
+      </p:sp>
+      <p:sp>
+        <p:nvSpPr>
+          <p:cNvPr id="6" name="Slide Number Placeholder 5">
+            <a:extLst>
+              <a:ext uri="{FF2B5EF4-FFF2-40B4-BE49-F238E27FC236}">
+                <a16:creationId xmlns:a16="http://schemas.microsoft.com/office/drawing/2014/main" id="{EAC296FE-8652-D344-BFAD-73D019EA04CF}"/>
+              </a:ext>
+            </a:extLst>
+          </p:cNvPr>
+          <p:cNvSpPr>
+            <a:spLocks noGrp="1"/>
+          </p:cNvSpPr>
+          <p:nvPr>
+            <p:ph type="sldNum" sz="quarter" idx="12"/>
+          </p:nvPr>
+        </p:nvSpPr>
+        <p:spPr/>
+        <p:txBody>
+          <a:bodyPr/>
+          <a:lstStyle/>
+          <a:p>
+            <a:fld id="{74BE2071-D48E-674C-9971-8DCADAB2FA09}" type="slidenum">
               <a:rPr lang="en-US" smtClean="0"/>
-              <a:t>Edit Master text styles</a:t>
-            </a:r>
-          </a:p>
-          <a:p>
-            <a:pPr lvl="1"/>
-            <a:r>
-              <a:rPr lang="en-US" smtClean="0"/>
-              <a:t>Second level</a:t>
-            </a:r>
-          </a:p>
-          <a:p>
-            <a:pPr lvl="2"/>
-            <a:r>
-              <a:rPr lang="en-US" smtClean="0"/>
-              <a:t>Third level</a:t>
-            </a:r>
-          </a:p>
-          <a:p>
-            <a:pPr lvl="3"/>
-            <a:r>
-              <a:rPr lang="en-US" smtClean="0"/>
-              <a:t>Fourth level</a:t>
-            </a:r>
-          </a:p>
-          <a:p>
-            <a:pPr lvl="4"/>
-            <a:r>
-              <a:rPr lang="en-US" smtClean="0"/>
-              <a:t>Fifth level</a:t>
-            </a:r>
-            <a:endParaRPr lang="en-CA"/>
-          </a:p>
-        </p:txBody>
-      </p:sp>
-      <p:sp>
-        <p:nvSpPr>
-          <p:cNvPr id="4" name="Date Placeholder 3"/>
-          <p:cNvSpPr>
-            <a:spLocks noGrp="1"/>
-          </p:cNvSpPr>
-          <p:nvPr>
-            <p:ph type="dt" sz="half" idx="10"/>
-          </p:nvPr>
-        </p:nvSpPr>
-        <p:spPr/>
-        <p:txBody>
-          <a:bodyPr/>
-          <a:lstStyle/>
-          <a:p>
-            <a:fld id="{CCEC24E2-9EAA-4FB7-AADF-E85F904A0AFD}" type="datetimeFigureOut">
-              <a:rPr lang="en-CA" smtClean="0"/>
-              <a:t>2019-10-07</a:t>
-            </a:fld>
-            <a:endParaRPr lang="en-CA"/>
-          </a:p>
-        </p:txBody>
-      </p:sp>
-      <p:sp>
-        <p:nvSpPr>
-          <p:cNvPr id="5" name="Footer Placeholder 4"/>
-          <p:cNvSpPr>
-            <a:spLocks noGrp="1"/>
-          </p:cNvSpPr>
-          <p:nvPr>
-            <p:ph type="ftr" sz="quarter" idx="11"/>
-          </p:nvPr>
-        </p:nvSpPr>
-        <p:spPr/>
-        <p:txBody>
-          <a:bodyPr/>
-          <a:lstStyle/>
-          <a:p>
-            <a:endParaRPr lang="en-CA"/>
-          </a:p>
-        </p:txBody>
-      </p:sp>
-      <p:sp>
-        <p:nvSpPr>
-          <p:cNvPr id="6" name="Slide Number Placeholder 5"/>
-          <p:cNvSpPr>
-            <a:spLocks noGrp="1"/>
-          </p:cNvSpPr>
-          <p:nvPr>
-            <p:ph type="sldNum" sz="quarter" idx="12"/>
-          </p:nvPr>
-        </p:nvSpPr>
-        <p:spPr/>
-        <p:txBody>
-          <a:bodyPr/>
-          <a:lstStyle/>
-          <a:p>
-            <a:fld id="{232D5694-21D2-4D68-A3B4-5FDACFB76574}" type="slidenum">
-              <a:rPr lang="en-CA" smtClean="0"/>
               <a:t>‹#›</a:t>
             </a:fld>
-            <a:endParaRPr lang="en-CA"/>
+            <a:endParaRPr lang="en-US"/>
           </a:p>
         </p:txBody>
       </p:sp>
     </p:spTree>
     <p:extLst>
       <p:ext uri="{BB962C8B-B14F-4D97-AF65-F5344CB8AC3E}">
-        <p14:creationId xmlns:p14="http://schemas.microsoft.com/office/powerpoint/2010/main" val="2059470076"/>
+        <p14:creationId xmlns:p14="http://schemas.microsoft.com/office/powerpoint/2010/main" val="1135750677"/>
       </p:ext>
     </p:extLst>
   </p:cSld>
@@ -839,7 +963,13 @@
       </p:grpSpPr>
       <p:sp>
         <p:nvSpPr>
-          <p:cNvPr id="2" name="Title 1"/>
+          <p:cNvPr id="2" name="Title 1">
+            <a:extLst>
+              <a:ext uri="{FF2B5EF4-FFF2-40B4-BE49-F238E27FC236}">
+                <a16:creationId xmlns:a16="http://schemas.microsoft.com/office/drawing/2014/main" id="{CEB85CB4-0E06-D94E-91A3-8EFD70623ED8}"/>
+              </a:ext>
+            </a:extLst>
+          </p:cNvPr>
           <p:cNvSpPr>
             <a:spLocks noGrp="1"/>
           </p:cNvSpPr>
@@ -862,16 +992,21 @@
           </a:lstStyle>
           <a:p>
             <a:r>
-              <a:rPr lang="en-US" smtClean="0"/>
+              <a:rPr lang="en-US"/>
               <a:t>Click to edit Master title style</a:t>
             </a:r>
-            <a:endParaRPr lang="en-CA"/>
-          </a:p>
-        </p:txBody>
-      </p:sp>
-      <p:sp>
-        <p:nvSpPr>
-          <p:cNvPr id="3" name="Text Placeholder 2"/>
+          </a:p>
+        </p:txBody>
+      </p:sp>
+      <p:sp>
+        <p:nvSpPr>
+          <p:cNvPr id="3" name="Text Placeholder 2">
+            <a:extLst>
+              <a:ext uri="{FF2B5EF4-FFF2-40B4-BE49-F238E27FC236}">
+                <a16:creationId xmlns:a16="http://schemas.microsoft.com/office/drawing/2014/main" id="{7E9D2B77-6E8B-9A4C-914B-5CBBA4726674}"/>
+              </a:ext>
+            </a:extLst>
+          </p:cNvPr>
           <p:cNvSpPr>
             <a:spLocks noGrp="1"/>
           </p:cNvSpPr>
@@ -982,38 +1117,50 @@
           <a:p>
             <a:pPr lvl="0"/>
             <a:r>
+              <a:rPr lang="en-US"/>
+              <a:t>Edit Master text styles</a:t>
+            </a:r>
+          </a:p>
+        </p:txBody>
+      </p:sp>
+      <p:sp>
+        <p:nvSpPr>
+          <p:cNvPr id="4" name="Date Placeholder 3">
+            <a:extLst>
+              <a:ext uri="{FF2B5EF4-FFF2-40B4-BE49-F238E27FC236}">
+                <a16:creationId xmlns:a16="http://schemas.microsoft.com/office/drawing/2014/main" id="{922CCA47-859E-A34D-AA1A-6F880B460057}"/>
+              </a:ext>
+            </a:extLst>
+          </p:cNvPr>
+          <p:cNvSpPr>
+            <a:spLocks noGrp="1"/>
+          </p:cNvSpPr>
+          <p:nvPr>
+            <p:ph type="dt" sz="half" idx="10"/>
+          </p:nvPr>
+        </p:nvSpPr>
+        <p:spPr/>
+        <p:txBody>
+          <a:bodyPr/>
+          <a:lstStyle/>
+          <a:p>
+            <a:fld id="{81C20578-04BE-3244-ADA0-079C6029EE3B}" type="datetimeFigureOut">
               <a:rPr lang="en-US" smtClean="0"/>
-              <a:t>Edit Master text styles</a:t>
-            </a:r>
-          </a:p>
-        </p:txBody>
-      </p:sp>
-      <p:sp>
-        <p:nvSpPr>
-          <p:cNvPr id="4" name="Date Placeholder 3"/>
-          <p:cNvSpPr>
-            <a:spLocks noGrp="1"/>
-          </p:cNvSpPr>
-          <p:nvPr>
-            <p:ph type="dt" sz="half" idx="10"/>
-          </p:nvPr>
-        </p:nvSpPr>
-        <p:spPr/>
-        <p:txBody>
-          <a:bodyPr/>
-          <a:lstStyle/>
-          <a:p>
-            <a:fld id="{CCEC24E2-9EAA-4FB7-AADF-E85F904A0AFD}" type="datetimeFigureOut">
-              <a:rPr lang="en-CA" smtClean="0"/>
-              <a:t>2019-10-07</a:t>
+              <a:t>10/10/2019</a:t>
             </a:fld>
-            <a:endParaRPr lang="en-CA"/>
-          </a:p>
-        </p:txBody>
-      </p:sp>
-      <p:sp>
-        <p:nvSpPr>
-          <p:cNvPr id="5" name="Footer Placeholder 4"/>
+            <a:endParaRPr lang="en-US"/>
+          </a:p>
+        </p:txBody>
+      </p:sp>
+      <p:sp>
+        <p:nvSpPr>
+          <p:cNvPr id="5" name="Footer Placeholder 4">
+            <a:extLst>
+              <a:ext uri="{FF2B5EF4-FFF2-40B4-BE49-F238E27FC236}">
+                <a16:creationId xmlns:a16="http://schemas.microsoft.com/office/drawing/2014/main" id="{2586799E-8C47-AA4E-BFA8-75186DD001E9}"/>
+              </a:ext>
+            </a:extLst>
+          </p:cNvPr>
           <p:cNvSpPr>
             <a:spLocks noGrp="1"/>
           </p:cNvSpPr>
@@ -1026,13 +1173,19 @@
           <a:bodyPr/>
           <a:lstStyle/>
           <a:p>
-            <a:endParaRPr lang="en-CA"/>
-          </a:p>
-        </p:txBody>
-      </p:sp>
-      <p:sp>
-        <p:nvSpPr>
-          <p:cNvPr id="6" name="Slide Number Placeholder 5"/>
+            <a:endParaRPr lang="en-US"/>
+          </a:p>
+        </p:txBody>
+      </p:sp>
+      <p:sp>
+        <p:nvSpPr>
+          <p:cNvPr id="6" name="Slide Number Placeholder 5">
+            <a:extLst>
+              <a:ext uri="{FF2B5EF4-FFF2-40B4-BE49-F238E27FC236}">
+                <a16:creationId xmlns:a16="http://schemas.microsoft.com/office/drawing/2014/main" id="{983BCAA0-1130-9A46-99D5-0B91DCCADD8E}"/>
+              </a:ext>
+            </a:extLst>
+          </p:cNvPr>
           <p:cNvSpPr>
             <a:spLocks noGrp="1"/>
           </p:cNvSpPr>
@@ -1045,18 +1198,18 @@
           <a:bodyPr/>
           <a:lstStyle/>
           <a:p>
-            <a:fld id="{232D5694-21D2-4D68-A3B4-5FDACFB76574}" type="slidenum">
-              <a:rPr lang="en-CA" smtClean="0"/>
+            <a:fld id="{74BE2071-D48E-674C-9971-8DCADAB2FA09}" type="slidenum">
+              <a:rPr lang="en-US" smtClean="0"/>
               <a:t>‹#›</a:t>
             </a:fld>
-            <a:endParaRPr lang="en-CA"/>
+            <a:endParaRPr lang="en-US"/>
           </a:p>
         </p:txBody>
       </p:sp>
     </p:spTree>
     <p:extLst>
       <p:ext uri="{BB962C8B-B14F-4D97-AF65-F5344CB8AC3E}">
-        <p14:creationId xmlns:p14="http://schemas.microsoft.com/office/powerpoint/2010/main" val="3709126232"/>
+        <p14:creationId xmlns:p14="http://schemas.microsoft.com/office/powerpoint/2010/main" val="3057898302"/>
       </p:ext>
     </p:extLst>
   </p:cSld>
@@ -1085,7 +1238,13 @@
       </p:grpSpPr>
       <p:sp>
         <p:nvSpPr>
-          <p:cNvPr id="2" name="Title 1"/>
+          <p:cNvPr id="2" name="Title 1">
+            <a:extLst>
+              <a:ext uri="{FF2B5EF4-FFF2-40B4-BE49-F238E27FC236}">
+                <a16:creationId xmlns:a16="http://schemas.microsoft.com/office/drawing/2014/main" id="{5400A32B-5BBF-9940-8630-2E59CEBC21BF}"/>
+              </a:ext>
+            </a:extLst>
+          </p:cNvPr>
           <p:cNvSpPr>
             <a:spLocks noGrp="1"/>
           </p:cNvSpPr>
@@ -1099,16 +1258,21 @@
           <a:lstStyle/>
           <a:p>
             <a:r>
-              <a:rPr lang="en-US" smtClean="0"/>
+              <a:rPr lang="en-US"/>
               <a:t>Click to edit Master title style</a:t>
             </a:r>
-            <a:endParaRPr lang="en-CA"/>
-          </a:p>
-        </p:txBody>
-      </p:sp>
-      <p:sp>
-        <p:nvSpPr>
-          <p:cNvPr id="3" name="Content Placeholder 2"/>
+          </a:p>
+        </p:txBody>
+      </p:sp>
+      <p:sp>
+        <p:nvSpPr>
+          <p:cNvPr id="3" name="Content Placeholder 2">
+            <a:extLst>
+              <a:ext uri="{FF2B5EF4-FFF2-40B4-BE49-F238E27FC236}">
+                <a16:creationId xmlns:a16="http://schemas.microsoft.com/office/drawing/2014/main" id="{00A76DC7-B127-C947-8249-E06DAF4706ED}"/>
+              </a:ext>
+            </a:extLst>
+          </p:cNvPr>
           <p:cNvSpPr>
             <a:spLocks noGrp="1"/>
           </p:cNvSpPr>
@@ -1128,44 +1292,49 @@
           <a:p>
             <a:pPr lvl="0"/>
             <a:r>
-              <a:rPr lang="en-US" smtClean="0"/>
+              <a:rPr lang="en-US"/>
               <a:t>Edit Master text styles</a:t>
             </a:r>
           </a:p>
           <a:p>
             <a:pPr lvl="1"/>
             <a:r>
-              <a:rPr lang="en-US" smtClean="0"/>
+              <a:rPr lang="en-US"/>
               <a:t>Second level</a:t>
             </a:r>
           </a:p>
           <a:p>
             <a:pPr lvl="2"/>
             <a:r>
-              <a:rPr lang="en-US" smtClean="0"/>
+              <a:rPr lang="en-US"/>
               <a:t>Third level</a:t>
             </a:r>
           </a:p>
           <a:p>
             <a:pPr lvl="3"/>
             <a:r>
-              <a:rPr lang="en-US" smtClean="0"/>
+              <a:rPr lang="en-US"/>
               <a:t>Fourth level</a:t>
             </a:r>
           </a:p>
           <a:p>
             <a:pPr lvl="4"/>
             <a:r>
-              <a:rPr lang="en-US" smtClean="0"/>
+              <a:rPr lang="en-US"/>
               <a:t>Fifth level</a:t>
             </a:r>
-            <a:endParaRPr lang="en-CA"/>
-          </a:p>
-        </p:txBody>
-      </p:sp>
-      <p:sp>
-        <p:nvSpPr>
-          <p:cNvPr id="4" name="Content Placeholder 3"/>
+          </a:p>
+        </p:txBody>
+      </p:sp>
+      <p:sp>
+        <p:nvSpPr>
+          <p:cNvPr id="4" name="Content Placeholder 3">
+            <a:extLst>
+              <a:ext uri="{FF2B5EF4-FFF2-40B4-BE49-F238E27FC236}">
+                <a16:creationId xmlns:a16="http://schemas.microsoft.com/office/drawing/2014/main" id="{CECED4B5-AB8F-D746-8F3B-FC7649DD63B3}"/>
+              </a:ext>
+            </a:extLst>
+          </p:cNvPr>
           <p:cNvSpPr>
             <a:spLocks noGrp="1"/>
           </p:cNvSpPr>
@@ -1185,110 +1354,127 @@
           <a:p>
             <a:pPr lvl="0"/>
             <a:r>
+              <a:rPr lang="en-US"/>
+              <a:t>Edit Master text styles</a:t>
+            </a:r>
+          </a:p>
+          <a:p>
+            <a:pPr lvl="1"/>
+            <a:r>
+              <a:rPr lang="en-US"/>
+              <a:t>Second level</a:t>
+            </a:r>
+          </a:p>
+          <a:p>
+            <a:pPr lvl="2"/>
+            <a:r>
+              <a:rPr lang="en-US"/>
+              <a:t>Third level</a:t>
+            </a:r>
+          </a:p>
+          <a:p>
+            <a:pPr lvl="3"/>
+            <a:r>
+              <a:rPr lang="en-US"/>
+              <a:t>Fourth level</a:t>
+            </a:r>
+          </a:p>
+          <a:p>
+            <a:pPr lvl="4"/>
+            <a:r>
+              <a:rPr lang="en-US"/>
+              <a:t>Fifth level</a:t>
+            </a:r>
+          </a:p>
+        </p:txBody>
+      </p:sp>
+      <p:sp>
+        <p:nvSpPr>
+          <p:cNvPr id="5" name="Date Placeholder 4">
+            <a:extLst>
+              <a:ext uri="{FF2B5EF4-FFF2-40B4-BE49-F238E27FC236}">
+                <a16:creationId xmlns:a16="http://schemas.microsoft.com/office/drawing/2014/main" id="{68E73C24-67A5-B244-9F51-43B623C079DC}"/>
+              </a:ext>
+            </a:extLst>
+          </p:cNvPr>
+          <p:cNvSpPr>
+            <a:spLocks noGrp="1"/>
+          </p:cNvSpPr>
+          <p:nvPr>
+            <p:ph type="dt" sz="half" idx="10"/>
+          </p:nvPr>
+        </p:nvSpPr>
+        <p:spPr/>
+        <p:txBody>
+          <a:bodyPr/>
+          <a:lstStyle/>
+          <a:p>
+            <a:fld id="{81C20578-04BE-3244-ADA0-079C6029EE3B}" type="datetimeFigureOut">
               <a:rPr lang="en-US" smtClean="0"/>
-              <a:t>Edit Master text styles</a:t>
-            </a:r>
-          </a:p>
-          <a:p>
-            <a:pPr lvl="1"/>
-            <a:r>
+              <a:t>10/10/2019</a:t>
+            </a:fld>
+            <a:endParaRPr lang="en-US"/>
+          </a:p>
+        </p:txBody>
+      </p:sp>
+      <p:sp>
+        <p:nvSpPr>
+          <p:cNvPr id="6" name="Footer Placeholder 5">
+            <a:extLst>
+              <a:ext uri="{FF2B5EF4-FFF2-40B4-BE49-F238E27FC236}">
+                <a16:creationId xmlns:a16="http://schemas.microsoft.com/office/drawing/2014/main" id="{8E6F295C-92CD-D547-B2E6-DC6E8E3567EB}"/>
+              </a:ext>
+            </a:extLst>
+          </p:cNvPr>
+          <p:cNvSpPr>
+            <a:spLocks noGrp="1"/>
+          </p:cNvSpPr>
+          <p:nvPr>
+            <p:ph type="ftr" sz="quarter" idx="11"/>
+          </p:nvPr>
+        </p:nvSpPr>
+        <p:spPr/>
+        <p:txBody>
+          <a:bodyPr/>
+          <a:lstStyle/>
+          <a:p>
+            <a:endParaRPr lang="en-US"/>
+          </a:p>
+        </p:txBody>
+      </p:sp>
+      <p:sp>
+        <p:nvSpPr>
+          <p:cNvPr id="7" name="Slide Number Placeholder 6">
+            <a:extLst>
+              <a:ext uri="{FF2B5EF4-FFF2-40B4-BE49-F238E27FC236}">
+                <a16:creationId xmlns:a16="http://schemas.microsoft.com/office/drawing/2014/main" id="{99F83F8F-7FF9-724C-851F-6632F4E450AE}"/>
+              </a:ext>
+            </a:extLst>
+          </p:cNvPr>
+          <p:cNvSpPr>
+            <a:spLocks noGrp="1"/>
+          </p:cNvSpPr>
+          <p:nvPr>
+            <p:ph type="sldNum" sz="quarter" idx="12"/>
+          </p:nvPr>
+        </p:nvSpPr>
+        <p:spPr/>
+        <p:txBody>
+          <a:bodyPr/>
+          <a:lstStyle/>
+          <a:p>
+            <a:fld id="{74BE2071-D48E-674C-9971-8DCADAB2FA09}" type="slidenum">
               <a:rPr lang="en-US" smtClean="0"/>
-              <a:t>Second level</a:t>
-            </a:r>
-          </a:p>
-          <a:p>
-            <a:pPr lvl="2"/>
-            <a:r>
-              <a:rPr lang="en-US" smtClean="0"/>
-              <a:t>Third level</a:t>
-            </a:r>
-          </a:p>
-          <a:p>
-            <a:pPr lvl="3"/>
-            <a:r>
-              <a:rPr lang="en-US" smtClean="0"/>
-              <a:t>Fourth level</a:t>
-            </a:r>
-          </a:p>
-          <a:p>
-            <a:pPr lvl="4"/>
-            <a:r>
-              <a:rPr lang="en-US" smtClean="0"/>
-              <a:t>Fifth level</a:t>
-            </a:r>
-            <a:endParaRPr lang="en-CA"/>
-          </a:p>
-        </p:txBody>
-      </p:sp>
-      <p:sp>
-        <p:nvSpPr>
-          <p:cNvPr id="5" name="Date Placeholder 4"/>
-          <p:cNvSpPr>
-            <a:spLocks noGrp="1"/>
-          </p:cNvSpPr>
-          <p:nvPr>
-            <p:ph type="dt" sz="half" idx="10"/>
-          </p:nvPr>
-        </p:nvSpPr>
-        <p:spPr/>
-        <p:txBody>
-          <a:bodyPr/>
-          <a:lstStyle/>
-          <a:p>
-            <a:fld id="{CCEC24E2-9EAA-4FB7-AADF-E85F904A0AFD}" type="datetimeFigureOut">
-              <a:rPr lang="en-CA" smtClean="0"/>
-              <a:t>2019-10-07</a:t>
-            </a:fld>
-            <a:endParaRPr lang="en-CA"/>
-          </a:p>
-        </p:txBody>
-      </p:sp>
-      <p:sp>
-        <p:nvSpPr>
-          <p:cNvPr id="6" name="Footer Placeholder 5"/>
-          <p:cNvSpPr>
-            <a:spLocks noGrp="1"/>
-          </p:cNvSpPr>
-          <p:nvPr>
-            <p:ph type="ftr" sz="quarter" idx="11"/>
-          </p:nvPr>
-        </p:nvSpPr>
-        <p:spPr/>
-        <p:txBody>
-          <a:bodyPr/>
-          <a:lstStyle/>
-          <a:p>
-            <a:endParaRPr lang="en-CA"/>
-          </a:p>
-        </p:txBody>
-      </p:sp>
-      <p:sp>
-        <p:nvSpPr>
-          <p:cNvPr id="7" name="Slide Number Placeholder 6"/>
-          <p:cNvSpPr>
-            <a:spLocks noGrp="1"/>
-          </p:cNvSpPr>
-          <p:nvPr>
-            <p:ph type="sldNum" sz="quarter" idx="12"/>
-          </p:nvPr>
-        </p:nvSpPr>
-        <p:spPr/>
-        <p:txBody>
-          <a:bodyPr/>
-          <a:lstStyle/>
-          <a:p>
-            <a:fld id="{232D5694-21D2-4D68-A3B4-5FDACFB76574}" type="slidenum">
-              <a:rPr lang="en-CA" smtClean="0"/>
               <a:t>‹#›</a:t>
             </a:fld>
-            <a:endParaRPr lang="en-CA"/>
+            <a:endParaRPr lang="en-US"/>
           </a:p>
         </p:txBody>
       </p:sp>
     </p:spTree>
     <p:extLst>
       <p:ext uri="{BB962C8B-B14F-4D97-AF65-F5344CB8AC3E}">
-        <p14:creationId xmlns:p14="http://schemas.microsoft.com/office/powerpoint/2010/main" val="1565688977"/>
+        <p14:creationId xmlns:p14="http://schemas.microsoft.com/office/powerpoint/2010/main" val="313369776"/>
       </p:ext>
     </p:extLst>
   </p:cSld>
@@ -1317,7 +1503,13 @@
       </p:grpSpPr>
       <p:sp>
         <p:nvSpPr>
-          <p:cNvPr id="2" name="Title 1"/>
+          <p:cNvPr id="2" name="Title 1">
+            <a:extLst>
+              <a:ext uri="{FF2B5EF4-FFF2-40B4-BE49-F238E27FC236}">
+                <a16:creationId xmlns:a16="http://schemas.microsoft.com/office/drawing/2014/main" id="{C5D4D888-45B1-7F48-909C-B553B5D23DA3}"/>
+              </a:ext>
+            </a:extLst>
+          </p:cNvPr>
           <p:cNvSpPr>
             <a:spLocks noGrp="1"/>
           </p:cNvSpPr>
@@ -1336,16 +1528,21 @@
           <a:lstStyle/>
           <a:p>
             <a:r>
-              <a:rPr lang="en-US" smtClean="0"/>
+              <a:rPr lang="en-US"/>
               <a:t>Click to edit Master title style</a:t>
             </a:r>
-            <a:endParaRPr lang="en-CA"/>
-          </a:p>
-        </p:txBody>
-      </p:sp>
-      <p:sp>
-        <p:nvSpPr>
-          <p:cNvPr id="3" name="Text Placeholder 2"/>
+          </a:p>
+        </p:txBody>
+      </p:sp>
+      <p:sp>
+        <p:nvSpPr>
+          <p:cNvPr id="3" name="Text Placeholder 2">
+            <a:extLst>
+              <a:ext uri="{FF2B5EF4-FFF2-40B4-BE49-F238E27FC236}">
+                <a16:creationId xmlns:a16="http://schemas.microsoft.com/office/drawing/2014/main" id="{3AF5CD38-316E-5E4B-84D2-A1036C62253B}"/>
+              </a:ext>
+            </a:extLst>
+          </p:cNvPr>
           <p:cNvSpPr>
             <a:spLocks noGrp="1"/>
           </p:cNvSpPr>
@@ -1402,7 +1599,7 @@
           <a:p>
             <a:pPr lvl="0"/>
             <a:r>
-              <a:rPr lang="en-US" smtClean="0"/>
+              <a:rPr lang="en-US"/>
               <a:t>Edit Master text styles</a:t>
             </a:r>
           </a:p>
@@ -1410,7 +1607,13 @@
       </p:sp>
       <p:sp>
         <p:nvSpPr>
-          <p:cNvPr id="4" name="Content Placeholder 3"/>
+          <p:cNvPr id="4" name="Content Placeholder 3">
+            <a:extLst>
+              <a:ext uri="{FF2B5EF4-FFF2-40B4-BE49-F238E27FC236}">
+                <a16:creationId xmlns:a16="http://schemas.microsoft.com/office/drawing/2014/main" id="{62877F37-845B-6947-A172-2BB5BD9B5318}"/>
+              </a:ext>
+            </a:extLst>
+          </p:cNvPr>
           <p:cNvSpPr>
             <a:spLocks noGrp="1"/>
           </p:cNvSpPr>
@@ -1430,44 +1633,49 @@
           <a:p>
             <a:pPr lvl="0"/>
             <a:r>
-              <a:rPr lang="en-US" smtClean="0"/>
+              <a:rPr lang="en-US"/>
               <a:t>Edit Master text styles</a:t>
             </a:r>
           </a:p>
           <a:p>
             <a:pPr lvl="1"/>
             <a:r>
-              <a:rPr lang="en-US" smtClean="0"/>
+              <a:rPr lang="en-US"/>
               <a:t>Second level</a:t>
             </a:r>
           </a:p>
           <a:p>
             <a:pPr lvl="2"/>
             <a:r>
-              <a:rPr lang="en-US" smtClean="0"/>
+              <a:rPr lang="en-US"/>
               <a:t>Third level</a:t>
             </a:r>
           </a:p>
           <a:p>
             <a:pPr lvl="3"/>
             <a:r>
-              <a:rPr lang="en-US" smtClean="0"/>
+              <a:rPr lang="en-US"/>
               <a:t>Fourth level</a:t>
             </a:r>
           </a:p>
           <a:p>
             <a:pPr lvl="4"/>
             <a:r>
-              <a:rPr lang="en-US" smtClean="0"/>
+              <a:rPr lang="en-US"/>
               <a:t>Fifth level</a:t>
             </a:r>
-            <a:endParaRPr lang="en-CA"/>
-          </a:p>
-        </p:txBody>
-      </p:sp>
-      <p:sp>
-        <p:nvSpPr>
-          <p:cNvPr id="5" name="Text Placeholder 4"/>
+          </a:p>
+        </p:txBody>
+      </p:sp>
+      <p:sp>
+        <p:nvSpPr>
+          <p:cNvPr id="5" name="Text Placeholder 4">
+            <a:extLst>
+              <a:ext uri="{FF2B5EF4-FFF2-40B4-BE49-F238E27FC236}">
+                <a16:creationId xmlns:a16="http://schemas.microsoft.com/office/drawing/2014/main" id="{768C4988-4AA2-CB46-8B7B-B8F238E6AF43}"/>
+              </a:ext>
+            </a:extLst>
+          </p:cNvPr>
           <p:cNvSpPr>
             <a:spLocks noGrp="1"/>
           </p:cNvSpPr>
@@ -1524,7 +1732,7 @@
           <a:p>
             <a:pPr lvl="0"/>
             <a:r>
-              <a:rPr lang="en-US" smtClean="0"/>
+              <a:rPr lang="en-US"/>
               <a:t>Edit Master text styles</a:t>
             </a:r>
           </a:p>
@@ -1532,7 +1740,13 @@
       </p:sp>
       <p:sp>
         <p:nvSpPr>
-          <p:cNvPr id="6" name="Content Placeholder 5"/>
+          <p:cNvPr id="6" name="Content Placeholder 5">
+            <a:extLst>
+              <a:ext uri="{FF2B5EF4-FFF2-40B4-BE49-F238E27FC236}">
+                <a16:creationId xmlns:a16="http://schemas.microsoft.com/office/drawing/2014/main" id="{359EA0F0-D752-4045-810E-5695F891AD5A}"/>
+              </a:ext>
+            </a:extLst>
+          </p:cNvPr>
           <p:cNvSpPr>
             <a:spLocks noGrp="1"/>
           </p:cNvSpPr>
@@ -1552,110 +1766,127 @@
           <a:p>
             <a:pPr lvl="0"/>
             <a:r>
+              <a:rPr lang="en-US"/>
+              <a:t>Edit Master text styles</a:t>
+            </a:r>
+          </a:p>
+          <a:p>
+            <a:pPr lvl="1"/>
+            <a:r>
+              <a:rPr lang="en-US"/>
+              <a:t>Second level</a:t>
+            </a:r>
+          </a:p>
+          <a:p>
+            <a:pPr lvl="2"/>
+            <a:r>
+              <a:rPr lang="en-US"/>
+              <a:t>Third level</a:t>
+            </a:r>
+          </a:p>
+          <a:p>
+            <a:pPr lvl="3"/>
+            <a:r>
+              <a:rPr lang="en-US"/>
+              <a:t>Fourth level</a:t>
+            </a:r>
+          </a:p>
+          <a:p>
+            <a:pPr lvl="4"/>
+            <a:r>
+              <a:rPr lang="en-US"/>
+              <a:t>Fifth level</a:t>
+            </a:r>
+          </a:p>
+        </p:txBody>
+      </p:sp>
+      <p:sp>
+        <p:nvSpPr>
+          <p:cNvPr id="7" name="Date Placeholder 6">
+            <a:extLst>
+              <a:ext uri="{FF2B5EF4-FFF2-40B4-BE49-F238E27FC236}">
+                <a16:creationId xmlns:a16="http://schemas.microsoft.com/office/drawing/2014/main" id="{E70023D1-F507-E640-A3B7-F87A9CA7DDF7}"/>
+              </a:ext>
+            </a:extLst>
+          </p:cNvPr>
+          <p:cNvSpPr>
+            <a:spLocks noGrp="1"/>
+          </p:cNvSpPr>
+          <p:nvPr>
+            <p:ph type="dt" sz="half" idx="10"/>
+          </p:nvPr>
+        </p:nvSpPr>
+        <p:spPr/>
+        <p:txBody>
+          <a:bodyPr/>
+          <a:lstStyle/>
+          <a:p>
+            <a:fld id="{81C20578-04BE-3244-ADA0-079C6029EE3B}" type="datetimeFigureOut">
               <a:rPr lang="en-US" smtClean="0"/>
-              <a:t>Edit Master text styles</a:t>
-            </a:r>
-          </a:p>
-          <a:p>
-            <a:pPr lvl="1"/>
-            <a:r>
+              <a:t>10/10/2019</a:t>
+            </a:fld>
+            <a:endParaRPr lang="en-US"/>
+          </a:p>
+        </p:txBody>
+      </p:sp>
+      <p:sp>
+        <p:nvSpPr>
+          <p:cNvPr id="8" name="Footer Placeholder 7">
+            <a:extLst>
+              <a:ext uri="{FF2B5EF4-FFF2-40B4-BE49-F238E27FC236}">
+                <a16:creationId xmlns:a16="http://schemas.microsoft.com/office/drawing/2014/main" id="{6C716F02-642B-ED43-88DE-3271F58A9E2F}"/>
+              </a:ext>
+            </a:extLst>
+          </p:cNvPr>
+          <p:cNvSpPr>
+            <a:spLocks noGrp="1"/>
+          </p:cNvSpPr>
+          <p:nvPr>
+            <p:ph type="ftr" sz="quarter" idx="11"/>
+          </p:nvPr>
+        </p:nvSpPr>
+        <p:spPr/>
+        <p:txBody>
+          <a:bodyPr/>
+          <a:lstStyle/>
+          <a:p>
+            <a:endParaRPr lang="en-US"/>
+          </a:p>
+        </p:txBody>
+      </p:sp>
+      <p:sp>
+        <p:nvSpPr>
+          <p:cNvPr id="9" name="Slide Number Placeholder 8">
+            <a:extLst>
+              <a:ext uri="{FF2B5EF4-FFF2-40B4-BE49-F238E27FC236}">
+                <a16:creationId xmlns:a16="http://schemas.microsoft.com/office/drawing/2014/main" id="{2F739B14-9E87-0C40-B8A9-2B96E695A002}"/>
+              </a:ext>
+            </a:extLst>
+          </p:cNvPr>
+          <p:cNvSpPr>
+            <a:spLocks noGrp="1"/>
+          </p:cNvSpPr>
+          <p:nvPr>
+            <p:ph type="sldNum" sz="quarter" idx="12"/>
+          </p:nvPr>
+        </p:nvSpPr>
+        <p:spPr/>
+        <p:txBody>
+          <a:bodyPr/>
+          <a:lstStyle/>
+          <a:p>
+            <a:fld id="{74BE2071-D48E-674C-9971-8DCADAB2FA09}" type="slidenum">
               <a:rPr lang="en-US" smtClean="0"/>
-              <a:t>Second level</a:t>
-            </a:r>
-          </a:p>
-          <a:p>
-            <a:pPr lvl="2"/>
-            <a:r>
-              <a:rPr lang="en-US" smtClean="0"/>
-              <a:t>Third level</a:t>
-            </a:r>
-          </a:p>
-          <a:p>
-            <a:pPr lvl="3"/>
-            <a:r>
-              <a:rPr lang="en-US" smtClean="0"/>
-              <a:t>Fourth level</a:t>
-            </a:r>
-          </a:p>
-          <a:p>
-            <a:pPr lvl="4"/>
-            <a:r>
-              <a:rPr lang="en-US" smtClean="0"/>
-              <a:t>Fifth level</a:t>
-            </a:r>
-            <a:endParaRPr lang="en-CA"/>
-          </a:p>
-        </p:txBody>
-      </p:sp>
-      <p:sp>
-        <p:nvSpPr>
-          <p:cNvPr id="7" name="Date Placeholder 6"/>
-          <p:cNvSpPr>
-            <a:spLocks noGrp="1"/>
-          </p:cNvSpPr>
-          <p:nvPr>
-            <p:ph type="dt" sz="half" idx="10"/>
-          </p:nvPr>
-        </p:nvSpPr>
-        <p:spPr/>
-        <p:txBody>
-          <a:bodyPr/>
-          <a:lstStyle/>
-          <a:p>
-            <a:fld id="{CCEC24E2-9EAA-4FB7-AADF-E85F904A0AFD}" type="datetimeFigureOut">
-              <a:rPr lang="en-CA" smtClean="0"/>
-              <a:t>2019-10-07</a:t>
-            </a:fld>
-            <a:endParaRPr lang="en-CA"/>
-          </a:p>
-        </p:txBody>
-      </p:sp>
-      <p:sp>
-        <p:nvSpPr>
-          <p:cNvPr id="8" name="Footer Placeholder 7"/>
-          <p:cNvSpPr>
-            <a:spLocks noGrp="1"/>
-          </p:cNvSpPr>
-          <p:nvPr>
-            <p:ph type="ftr" sz="quarter" idx="11"/>
-          </p:nvPr>
-        </p:nvSpPr>
-        <p:spPr/>
-        <p:txBody>
-          <a:bodyPr/>
-          <a:lstStyle/>
-          <a:p>
-            <a:endParaRPr lang="en-CA"/>
-          </a:p>
-        </p:txBody>
-      </p:sp>
-      <p:sp>
-        <p:nvSpPr>
-          <p:cNvPr id="9" name="Slide Number Placeholder 8"/>
-          <p:cNvSpPr>
-            <a:spLocks noGrp="1"/>
-          </p:cNvSpPr>
-          <p:nvPr>
-            <p:ph type="sldNum" sz="quarter" idx="12"/>
-          </p:nvPr>
-        </p:nvSpPr>
-        <p:spPr/>
-        <p:txBody>
-          <a:bodyPr/>
-          <a:lstStyle/>
-          <a:p>
-            <a:fld id="{232D5694-21D2-4D68-A3B4-5FDACFB76574}" type="slidenum">
-              <a:rPr lang="en-CA" smtClean="0"/>
               <a:t>‹#›</a:t>
             </a:fld>
-            <a:endParaRPr lang="en-CA"/>
+            <a:endParaRPr lang="en-US"/>
           </a:p>
         </p:txBody>
       </p:sp>
     </p:spTree>
     <p:extLst>
       <p:ext uri="{BB962C8B-B14F-4D97-AF65-F5344CB8AC3E}">
-        <p14:creationId xmlns:p14="http://schemas.microsoft.com/office/powerpoint/2010/main" val="3836120440"/>
+        <p14:creationId xmlns:p14="http://schemas.microsoft.com/office/powerpoint/2010/main" val="1036618313"/>
       </p:ext>
     </p:extLst>
   </p:cSld>
@@ -1684,7 +1915,13 @@
       </p:grpSpPr>
       <p:sp>
         <p:nvSpPr>
-          <p:cNvPr id="2" name="Title 1"/>
+          <p:cNvPr id="2" name="Title 1">
+            <a:extLst>
+              <a:ext uri="{FF2B5EF4-FFF2-40B4-BE49-F238E27FC236}">
+                <a16:creationId xmlns:a16="http://schemas.microsoft.com/office/drawing/2014/main" id="{EB2E7870-192C-214A-AA5E-1F186CA19299}"/>
+              </a:ext>
+            </a:extLst>
+          </p:cNvPr>
           <p:cNvSpPr>
             <a:spLocks noGrp="1"/>
           </p:cNvSpPr>
@@ -1698,39 +1935,50 @@
           <a:lstStyle/>
           <a:p>
             <a:r>
+              <a:rPr lang="en-US"/>
+              <a:t>Click to edit Master title style</a:t>
+            </a:r>
+          </a:p>
+        </p:txBody>
+      </p:sp>
+      <p:sp>
+        <p:nvSpPr>
+          <p:cNvPr id="3" name="Date Placeholder 2">
+            <a:extLst>
+              <a:ext uri="{FF2B5EF4-FFF2-40B4-BE49-F238E27FC236}">
+                <a16:creationId xmlns:a16="http://schemas.microsoft.com/office/drawing/2014/main" id="{2A46DCEC-26B0-1B4A-8971-340CD661B46A}"/>
+              </a:ext>
+            </a:extLst>
+          </p:cNvPr>
+          <p:cNvSpPr>
+            <a:spLocks noGrp="1"/>
+          </p:cNvSpPr>
+          <p:nvPr>
+            <p:ph type="dt" sz="half" idx="10"/>
+          </p:nvPr>
+        </p:nvSpPr>
+        <p:spPr/>
+        <p:txBody>
+          <a:bodyPr/>
+          <a:lstStyle/>
+          <a:p>
+            <a:fld id="{81C20578-04BE-3244-ADA0-079C6029EE3B}" type="datetimeFigureOut">
               <a:rPr lang="en-US" smtClean="0"/>
-              <a:t>Click to edit Master title style</a:t>
-            </a:r>
-            <a:endParaRPr lang="en-CA"/>
-          </a:p>
-        </p:txBody>
-      </p:sp>
-      <p:sp>
-        <p:nvSpPr>
-          <p:cNvPr id="3" name="Date Placeholder 2"/>
-          <p:cNvSpPr>
-            <a:spLocks noGrp="1"/>
-          </p:cNvSpPr>
-          <p:nvPr>
-            <p:ph type="dt" sz="half" idx="10"/>
-          </p:nvPr>
-        </p:nvSpPr>
-        <p:spPr/>
-        <p:txBody>
-          <a:bodyPr/>
-          <a:lstStyle/>
-          <a:p>
-            <a:fld id="{CCEC24E2-9EAA-4FB7-AADF-E85F904A0AFD}" type="datetimeFigureOut">
-              <a:rPr lang="en-CA" smtClean="0"/>
-              <a:t>2019-10-07</a:t>
+              <a:t>10/10/2019</a:t>
             </a:fld>
-            <a:endParaRPr lang="en-CA"/>
-          </a:p>
-        </p:txBody>
-      </p:sp>
-      <p:sp>
-        <p:nvSpPr>
-          <p:cNvPr id="4" name="Footer Placeholder 3"/>
+            <a:endParaRPr lang="en-US"/>
+          </a:p>
+        </p:txBody>
+      </p:sp>
+      <p:sp>
+        <p:nvSpPr>
+          <p:cNvPr id="4" name="Footer Placeholder 3">
+            <a:extLst>
+              <a:ext uri="{FF2B5EF4-FFF2-40B4-BE49-F238E27FC236}">
+                <a16:creationId xmlns:a16="http://schemas.microsoft.com/office/drawing/2014/main" id="{6DF824F7-4996-7447-8F15-CA8AE054DFFC}"/>
+              </a:ext>
+            </a:extLst>
+          </p:cNvPr>
           <p:cNvSpPr>
             <a:spLocks noGrp="1"/>
           </p:cNvSpPr>
@@ -1743,13 +1991,19 @@
           <a:bodyPr/>
           <a:lstStyle/>
           <a:p>
-            <a:endParaRPr lang="en-CA"/>
-          </a:p>
-        </p:txBody>
-      </p:sp>
-      <p:sp>
-        <p:nvSpPr>
-          <p:cNvPr id="5" name="Slide Number Placeholder 4"/>
+            <a:endParaRPr lang="en-US"/>
+          </a:p>
+        </p:txBody>
+      </p:sp>
+      <p:sp>
+        <p:nvSpPr>
+          <p:cNvPr id="5" name="Slide Number Placeholder 4">
+            <a:extLst>
+              <a:ext uri="{FF2B5EF4-FFF2-40B4-BE49-F238E27FC236}">
+                <a16:creationId xmlns:a16="http://schemas.microsoft.com/office/drawing/2014/main" id="{F0C3DEA8-1903-E746-B24B-31409765CC57}"/>
+              </a:ext>
+            </a:extLst>
+          </p:cNvPr>
           <p:cNvSpPr>
             <a:spLocks noGrp="1"/>
           </p:cNvSpPr>
@@ -1762,18 +2016,18 @@
           <a:bodyPr/>
           <a:lstStyle/>
           <a:p>
-            <a:fld id="{232D5694-21D2-4D68-A3B4-5FDACFB76574}" type="slidenum">
-              <a:rPr lang="en-CA" smtClean="0"/>
+            <a:fld id="{74BE2071-D48E-674C-9971-8DCADAB2FA09}" type="slidenum">
+              <a:rPr lang="en-US" smtClean="0"/>
               <a:t>‹#›</a:t>
             </a:fld>
-            <a:endParaRPr lang="en-CA"/>
+            <a:endParaRPr lang="en-US"/>
           </a:p>
         </p:txBody>
       </p:sp>
     </p:spTree>
     <p:extLst>
       <p:ext uri="{BB962C8B-B14F-4D97-AF65-F5344CB8AC3E}">
-        <p14:creationId xmlns:p14="http://schemas.microsoft.com/office/powerpoint/2010/main" val="1739226751"/>
+        <p14:creationId xmlns:p14="http://schemas.microsoft.com/office/powerpoint/2010/main" val="2171295636"/>
       </p:ext>
     </p:extLst>
   </p:cSld>
@@ -1802,7 +2056,13 @@
       </p:grpSpPr>
       <p:sp>
         <p:nvSpPr>
-          <p:cNvPr id="2" name="Date Placeholder 1"/>
+          <p:cNvPr id="2" name="Date Placeholder 1">
+            <a:extLst>
+              <a:ext uri="{FF2B5EF4-FFF2-40B4-BE49-F238E27FC236}">
+                <a16:creationId xmlns:a16="http://schemas.microsoft.com/office/drawing/2014/main" id="{3CF93D28-B547-A64D-9A5B-856402964724}"/>
+              </a:ext>
+            </a:extLst>
+          </p:cNvPr>
           <p:cNvSpPr>
             <a:spLocks noGrp="1"/>
           </p:cNvSpPr>
@@ -1815,17 +2075,23 @@
           <a:bodyPr/>
           <a:lstStyle/>
           <a:p>
-            <a:fld id="{CCEC24E2-9EAA-4FB7-AADF-E85F904A0AFD}" type="datetimeFigureOut">
-              <a:rPr lang="en-CA" smtClean="0"/>
-              <a:t>2019-10-07</a:t>
+            <a:fld id="{81C20578-04BE-3244-ADA0-079C6029EE3B}" type="datetimeFigureOut">
+              <a:rPr lang="en-US" smtClean="0"/>
+              <a:t>10/10/2019</a:t>
             </a:fld>
-            <a:endParaRPr lang="en-CA"/>
-          </a:p>
-        </p:txBody>
-      </p:sp>
-      <p:sp>
-        <p:nvSpPr>
-          <p:cNvPr id="3" name="Footer Placeholder 2"/>
+            <a:endParaRPr lang="en-US"/>
+          </a:p>
+        </p:txBody>
+      </p:sp>
+      <p:sp>
+        <p:nvSpPr>
+          <p:cNvPr id="3" name="Footer Placeholder 2">
+            <a:extLst>
+              <a:ext uri="{FF2B5EF4-FFF2-40B4-BE49-F238E27FC236}">
+                <a16:creationId xmlns:a16="http://schemas.microsoft.com/office/drawing/2014/main" id="{709346E3-8CF6-ED40-8605-CDC9058E0D81}"/>
+              </a:ext>
+            </a:extLst>
+          </p:cNvPr>
           <p:cNvSpPr>
             <a:spLocks noGrp="1"/>
           </p:cNvSpPr>
@@ -1838,13 +2104,19 @@
           <a:bodyPr/>
           <a:lstStyle/>
           <a:p>
-            <a:endParaRPr lang="en-CA"/>
-          </a:p>
-        </p:txBody>
-      </p:sp>
-      <p:sp>
-        <p:nvSpPr>
-          <p:cNvPr id="4" name="Slide Number Placeholder 3"/>
+            <a:endParaRPr lang="en-US"/>
+          </a:p>
+        </p:txBody>
+      </p:sp>
+      <p:sp>
+        <p:nvSpPr>
+          <p:cNvPr id="4" name="Slide Number Placeholder 3">
+            <a:extLst>
+              <a:ext uri="{FF2B5EF4-FFF2-40B4-BE49-F238E27FC236}">
+                <a16:creationId xmlns:a16="http://schemas.microsoft.com/office/drawing/2014/main" id="{0EB50B85-0C78-234A-987B-B2F40D558FEA}"/>
+              </a:ext>
+            </a:extLst>
+          </p:cNvPr>
           <p:cNvSpPr>
             <a:spLocks noGrp="1"/>
           </p:cNvSpPr>
@@ -1857,18 +2129,18 @@
           <a:bodyPr/>
           <a:lstStyle/>
           <a:p>
-            <a:fld id="{232D5694-21D2-4D68-A3B4-5FDACFB76574}" type="slidenum">
-              <a:rPr lang="en-CA" smtClean="0"/>
+            <a:fld id="{74BE2071-D48E-674C-9971-8DCADAB2FA09}" type="slidenum">
+              <a:rPr lang="en-US" smtClean="0"/>
               <a:t>‹#›</a:t>
             </a:fld>
-            <a:endParaRPr lang="en-CA"/>
+            <a:endParaRPr lang="en-US"/>
           </a:p>
         </p:txBody>
       </p:sp>
     </p:spTree>
     <p:extLst>
       <p:ext uri="{BB962C8B-B14F-4D97-AF65-F5344CB8AC3E}">
-        <p14:creationId xmlns:p14="http://schemas.microsoft.com/office/powerpoint/2010/main" val="365472787"/>
+        <p14:creationId xmlns:p14="http://schemas.microsoft.com/office/powerpoint/2010/main" val="3353595292"/>
       </p:ext>
     </p:extLst>
   </p:cSld>
@@ -1897,7 +2169,13 @@
       </p:grpSpPr>
       <p:sp>
         <p:nvSpPr>
-          <p:cNvPr id="2" name="Title 1"/>
+          <p:cNvPr id="2" name="Title 1">
+            <a:extLst>
+              <a:ext uri="{FF2B5EF4-FFF2-40B4-BE49-F238E27FC236}">
+                <a16:creationId xmlns:a16="http://schemas.microsoft.com/office/drawing/2014/main" id="{BD6E75C8-0214-AC48-9160-8594174D71A0}"/>
+              </a:ext>
+            </a:extLst>
+          </p:cNvPr>
           <p:cNvSpPr>
             <a:spLocks noGrp="1"/>
           </p:cNvSpPr>
@@ -1920,16 +2198,21 @@
           </a:lstStyle>
           <a:p>
             <a:r>
-              <a:rPr lang="en-US" smtClean="0"/>
+              <a:rPr lang="en-US"/>
               <a:t>Click to edit Master title style</a:t>
             </a:r>
-            <a:endParaRPr lang="en-CA"/>
-          </a:p>
-        </p:txBody>
-      </p:sp>
-      <p:sp>
-        <p:nvSpPr>
-          <p:cNvPr id="3" name="Content Placeholder 2"/>
+          </a:p>
+        </p:txBody>
+      </p:sp>
+      <p:sp>
+        <p:nvSpPr>
+          <p:cNvPr id="3" name="Content Placeholder 2">
+            <a:extLst>
+              <a:ext uri="{FF2B5EF4-FFF2-40B4-BE49-F238E27FC236}">
+                <a16:creationId xmlns:a16="http://schemas.microsoft.com/office/drawing/2014/main" id="{B9145E1F-C19A-7A4E-BA83-FD78F7E77547}"/>
+              </a:ext>
+            </a:extLst>
+          </p:cNvPr>
           <p:cNvSpPr>
             <a:spLocks noGrp="1"/>
           </p:cNvSpPr>
@@ -1977,44 +2260,49 @@
           <a:p>
             <a:pPr lvl="0"/>
             <a:r>
-              <a:rPr lang="en-US" smtClean="0"/>
+              <a:rPr lang="en-US"/>
               <a:t>Edit Master text styles</a:t>
             </a:r>
           </a:p>
           <a:p>
             <a:pPr lvl="1"/>
             <a:r>
-              <a:rPr lang="en-US" smtClean="0"/>
+              <a:rPr lang="en-US"/>
               <a:t>Second level</a:t>
             </a:r>
           </a:p>
           <a:p>
             <a:pPr lvl="2"/>
             <a:r>
-              <a:rPr lang="en-US" smtClean="0"/>
+              <a:rPr lang="en-US"/>
               <a:t>Third level</a:t>
             </a:r>
           </a:p>
           <a:p>
             <a:pPr lvl="3"/>
             <a:r>
-              <a:rPr lang="en-US" smtClean="0"/>
+              <a:rPr lang="en-US"/>
               <a:t>Fourth level</a:t>
             </a:r>
           </a:p>
           <a:p>
             <a:pPr lvl="4"/>
             <a:r>
-              <a:rPr lang="en-US" smtClean="0"/>
+              <a:rPr lang="en-US"/>
               <a:t>Fifth level</a:t>
             </a:r>
-            <a:endParaRPr lang="en-CA"/>
-          </a:p>
-        </p:txBody>
-      </p:sp>
-      <p:sp>
-        <p:nvSpPr>
-          <p:cNvPr id="4" name="Text Placeholder 3"/>
+          </a:p>
+        </p:txBody>
+      </p:sp>
+      <p:sp>
+        <p:nvSpPr>
+          <p:cNvPr id="4" name="Text Placeholder 3">
+            <a:extLst>
+              <a:ext uri="{FF2B5EF4-FFF2-40B4-BE49-F238E27FC236}">
+                <a16:creationId xmlns:a16="http://schemas.microsoft.com/office/drawing/2014/main" id="{07B7AFBC-7061-0A4F-B76C-EA9D18F2C733}"/>
+              </a:ext>
+            </a:extLst>
+          </p:cNvPr>
           <p:cNvSpPr>
             <a:spLocks noGrp="1"/>
           </p:cNvSpPr>
@@ -2071,38 +2359,50 @@
           <a:p>
             <a:pPr lvl="0"/>
             <a:r>
+              <a:rPr lang="en-US"/>
+              <a:t>Edit Master text styles</a:t>
+            </a:r>
+          </a:p>
+        </p:txBody>
+      </p:sp>
+      <p:sp>
+        <p:nvSpPr>
+          <p:cNvPr id="5" name="Date Placeholder 4">
+            <a:extLst>
+              <a:ext uri="{FF2B5EF4-FFF2-40B4-BE49-F238E27FC236}">
+                <a16:creationId xmlns:a16="http://schemas.microsoft.com/office/drawing/2014/main" id="{B594F0E2-6528-1449-B1C6-02C35971C0E0}"/>
+              </a:ext>
+            </a:extLst>
+          </p:cNvPr>
+          <p:cNvSpPr>
+            <a:spLocks noGrp="1"/>
+          </p:cNvSpPr>
+          <p:nvPr>
+            <p:ph type="dt" sz="half" idx="10"/>
+          </p:nvPr>
+        </p:nvSpPr>
+        <p:spPr/>
+        <p:txBody>
+          <a:bodyPr/>
+          <a:lstStyle/>
+          <a:p>
+            <a:fld id="{81C20578-04BE-3244-ADA0-079C6029EE3B}" type="datetimeFigureOut">
               <a:rPr lang="en-US" smtClean="0"/>
-              <a:t>Edit Master text styles</a:t>
-            </a:r>
-          </a:p>
-        </p:txBody>
-      </p:sp>
-      <p:sp>
-        <p:nvSpPr>
-          <p:cNvPr id="5" name="Date Placeholder 4"/>
-          <p:cNvSpPr>
-            <a:spLocks noGrp="1"/>
-          </p:cNvSpPr>
-          <p:nvPr>
-            <p:ph type="dt" sz="half" idx="10"/>
-          </p:nvPr>
-        </p:nvSpPr>
-        <p:spPr/>
-        <p:txBody>
-          <a:bodyPr/>
-          <a:lstStyle/>
-          <a:p>
-            <a:fld id="{CCEC24E2-9EAA-4FB7-AADF-E85F904A0AFD}" type="datetimeFigureOut">
-              <a:rPr lang="en-CA" smtClean="0"/>
-              <a:t>2019-10-07</a:t>
+              <a:t>10/10/2019</a:t>
             </a:fld>
-            <a:endParaRPr lang="en-CA"/>
-          </a:p>
-        </p:txBody>
-      </p:sp>
-      <p:sp>
-        <p:nvSpPr>
-          <p:cNvPr id="6" name="Footer Placeholder 5"/>
+            <a:endParaRPr lang="en-US"/>
+          </a:p>
+        </p:txBody>
+      </p:sp>
+      <p:sp>
+        <p:nvSpPr>
+          <p:cNvPr id="6" name="Footer Placeholder 5">
+            <a:extLst>
+              <a:ext uri="{FF2B5EF4-FFF2-40B4-BE49-F238E27FC236}">
+                <a16:creationId xmlns:a16="http://schemas.microsoft.com/office/drawing/2014/main" id="{CC74AA96-19D9-5A4D-B906-618D5F29B076}"/>
+              </a:ext>
+            </a:extLst>
+          </p:cNvPr>
           <p:cNvSpPr>
             <a:spLocks noGrp="1"/>
           </p:cNvSpPr>
@@ -2115,13 +2415,19 @@
           <a:bodyPr/>
           <a:lstStyle/>
           <a:p>
-            <a:endParaRPr lang="en-CA"/>
-          </a:p>
-        </p:txBody>
-      </p:sp>
-      <p:sp>
-        <p:nvSpPr>
-          <p:cNvPr id="7" name="Slide Number Placeholder 6"/>
+            <a:endParaRPr lang="en-US"/>
+          </a:p>
+        </p:txBody>
+      </p:sp>
+      <p:sp>
+        <p:nvSpPr>
+          <p:cNvPr id="7" name="Slide Number Placeholder 6">
+            <a:extLst>
+              <a:ext uri="{FF2B5EF4-FFF2-40B4-BE49-F238E27FC236}">
+                <a16:creationId xmlns:a16="http://schemas.microsoft.com/office/drawing/2014/main" id="{38E5554C-27F8-3E4E-AAEA-9D2750C6D23D}"/>
+              </a:ext>
+            </a:extLst>
+          </p:cNvPr>
           <p:cNvSpPr>
             <a:spLocks noGrp="1"/>
           </p:cNvSpPr>
@@ -2134,18 +2440,18 @@
           <a:bodyPr/>
           <a:lstStyle/>
           <a:p>
-            <a:fld id="{232D5694-21D2-4D68-A3B4-5FDACFB76574}" type="slidenum">
-              <a:rPr lang="en-CA" smtClean="0"/>
+            <a:fld id="{74BE2071-D48E-674C-9971-8DCADAB2FA09}" type="slidenum">
+              <a:rPr lang="en-US" smtClean="0"/>
               <a:t>‹#›</a:t>
             </a:fld>
-            <a:endParaRPr lang="en-CA"/>
+            <a:endParaRPr lang="en-US"/>
           </a:p>
         </p:txBody>
       </p:sp>
     </p:spTree>
     <p:extLst>
       <p:ext uri="{BB962C8B-B14F-4D97-AF65-F5344CB8AC3E}">
-        <p14:creationId xmlns:p14="http://schemas.microsoft.com/office/powerpoint/2010/main" val="1051956529"/>
+        <p14:creationId xmlns:p14="http://schemas.microsoft.com/office/powerpoint/2010/main" val="1026005866"/>
       </p:ext>
     </p:extLst>
   </p:cSld>
@@ -2174,7 +2480,13 @@
       </p:grpSpPr>
       <p:sp>
         <p:nvSpPr>
-          <p:cNvPr id="2" name="Title 1"/>
+          <p:cNvPr id="2" name="Title 1">
+            <a:extLst>
+              <a:ext uri="{FF2B5EF4-FFF2-40B4-BE49-F238E27FC236}">
+                <a16:creationId xmlns:a16="http://schemas.microsoft.com/office/drawing/2014/main" id="{78CF2C66-EF93-0E46-AF7C-820ED975DF8F}"/>
+              </a:ext>
+            </a:extLst>
+          </p:cNvPr>
           <p:cNvSpPr>
             <a:spLocks noGrp="1"/>
           </p:cNvSpPr>
@@ -2197,16 +2509,21 @@
           </a:lstStyle>
           <a:p>
             <a:r>
-              <a:rPr lang="en-US" smtClean="0"/>
+              <a:rPr lang="en-US"/>
               <a:t>Click to edit Master title style</a:t>
             </a:r>
-            <a:endParaRPr lang="en-CA"/>
-          </a:p>
-        </p:txBody>
-      </p:sp>
-      <p:sp>
-        <p:nvSpPr>
-          <p:cNvPr id="3" name="Picture Placeholder 2"/>
+          </a:p>
+        </p:txBody>
+      </p:sp>
+      <p:sp>
+        <p:nvSpPr>
+          <p:cNvPr id="3" name="Picture Placeholder 2">
+            <a:extLst>
+              <a:ext uri="{FF2B5EF4-FFF2-40B4-BE49-F238E27FC236}">
+                <a16:creationId xmlns:a16="http://schemas.microsoft.com/office/drawing/2014/main" id="{8B5A26C8-EF73-6A47-8934-1BCCD4201D8B}"/>
+              </a:ext>
+            </a:extLst>
+          </p:cNvPr>
           <p:cNvSpPr>
             <a:spLocks noGrp="1"/>
           </p:cNvSpPr>
@@ -2261,13 +2578,19 @@
             </a:lvl9pPr>
           </a:lstStyle>
           <a:p>
-            <a:endParaRPr lang="en-CA"/>
-          </a:p>
-        </p:txBody>
-      </p:sp>
-      <p:sp>
-        <p:nvSpPr>
-          <p:cNvPr id="4" name="Text Placeholder 3"/>
+            <a:endParaRPr lang="en-US"/>
+          </a:p>
+        </p:txBody>
+      </p:sp>
+      <p:sp>
+        <p:nvSpPr>
+          <p:cNvPr id="4" name="Text Placeholder 3">
+            <a:extLst>
+              <a:ext uri="{FF2B5EF4-FFF2-40B4-BE49-F238E27FC236}">
+                <a16:creationId xmlns:a16="http://schemas.microsoft.com/office/drawing/2014/main" id="{7C5F2182-1077-2642-BEBC-DD3521E6D1D7}"/>
+              </a:ext>
+            </a:extLst>
+          </p:cNvPr>
           <p:cNvSpPr>
             <a:spLocks noGrp="1"/>
           </p:cNvSpPr>
@@ -2324,38 +2647,50 @@
           <a:p>
             <a:pPr lvl="0"/>
             <a:r>
+              <a:rPr lang="en-US"/>
+              <a:t>Edit Master text styles</a:t>
+            </a:r>
+          </a:p>
+        </p:txBody>
+      </p:sp>
+      <p:sp>
+        <p:nvSpPr>
+          <p:cNvPr id="5" name="Date Placeholder 4">
+            <a:extLst>
+              <a:ext uri="{FF2B5EF4-FFF2-40B4-BE49-F238E27FC236}">
+                <a16:creationId xmlns:a16="http://schemas.microsoft.com/office/drawing/2014/main" id="{CF92727B-97B0-0B4E-AB6B-78684545D139}"/>
+              </a:ext>
+            </a:extLst>
+          </p:cNvPr>
+          <p:cNvSpPr>
+            <a:spLocks noGrp="1"/>
+          </p:cNvSpPr>
+          <p:nvPr>
+            <p:ph type="dt" sz="half" idx="10"/>
+          </p:nvPr>
+        </p:nvSpPr>
+        <p:spPr/>
+        <p:txBody>
+          <a:bodyPr/>
+          <a:lstStyle/>
+          <a:p>
+            <a:fld id="{81C20578-04BE-3244-ADA0-079C6029EE3B}" type="datetimeFigureOut">
               <a:rPr lang="en-US" smtClean="0"/>
-              <a:t>Edit Master text styles</a:t>
-            </a:r>
-          </a:p>
-        </p:txBody>
-      </p:sp>
-      <p:sp>
-        <p:nvSpPr>
-          <p:cNvPr id="5" name="Date Placeholder 4"/>
-          <p:cNvSpPr>
-            <a:spLocks noGrp="1"/>
-          </p:cNvSpPr>
-          <p:nvPr>
-            <p:ph type="dt" sz="half" idx="10"/>
-          </p:nvPr>
-        </p:nvSpPr>
-        <p:spPr/>
-        <p:txBody>
-          <a:bodyPr/>
-          <a:lstStyle/>
-          <a:p>
-            <a:fld id="{CCEC24E2-9EAA-4FB7-AADF-E85F904A0AFD}" type="datetimeFigureOut">
-              <a:rPr lang="en-CA" smtClean="0"/>
-              <a:t>2019-10-07</a:t>
+              <a:t>10/10/2019</a:t>
             </a:fld>
-            <a:endParaRPr lang="en-CA"/>
-          </a:p>
-        </p:txBody>
-      </p:sp>
-      <p:sp>
-        <p:nvSpPr>
-          <p:cNvPr id="6" name="Footer Placeholder 5"/>
+            <a:endParaRPr lang="en-US"/>
+          </a:p>
+        </p:txBody>
+      </p:sp>
+      <p:sp>
+        <p:nvSpPr>
+          <p:cNvPr id="6" name="Footer Placeholder 5">
+            <a:extLst>
+              <a:ext uri="{FF2B5EF4-FFF2-40B4-BE49-F238E27FC236}">
+                <a16:creationId xmlns:a16="http://schemas.microsoft.com/office/drawing/2014/main" id="{1CE279F0-A4AE-DA4A-AA52-9BE30D35ED2C}"/>
+              </a:ext>
+            </a:extLst>
+          </p:cNvPr>
           <p:cNvSpPr>
             <a:spLocks noGrp="1"/>
           </p:cNvSpPr>
@@ -2368,13 +2703,19 @@
           <a:bodyPr/>
           <a:lstStyle/>
           <a:p>
-            <a:endParaRPr lang="en-CA"/>
-          </a:p>
-        </p:txBody>
-      </p:sp>
-      <p:sp>
-        <p:nvSpPr>
-          <p:cNvPr id="7" name="Slide Number Placeholder 6"/>
+            <a:endParaRPr lang="en-US"/>
+          </a:p>
+        </p:txBody>
+      </p:sp>
+      <p:sp>
+        <p:nvSpPr>
+          <p:cNvPr id="7" name="Slide Number Placeholder 6">
+            <a:extLst>
+              <a:ext uri="{FF2B5EF4-FFF2-40B4-BE49-F238E27FC236}">
+                <a16:creationId xmlns:a16="http://schemas.microsoft.com/office/drawing/2014/main" id="{2F0F4AD7-F0E5-404E-9F48-8ED7362D6735}"/>
+              </a:ext>
+            </a:extLst>
+          </p:cNvPr>
           <p:cNvSpPr>
             <a:spLocks noGrp="1"/>
           </p:cNvSpPr>
@@ -2387,18 +2728,18 @@
           <a:bodyPr/>
           <a:lstStyle/>
           <a:p>
-            <a:fld id="{232D5694-21D2-4D68-A3B4-5FDACFB76574}" type="slidenum">
-              <a:rPr lang="en-CA" smtClean="0"/>
+            <a:fld id="{74BE2071-D48E-674C-9971-8DCADAB2FA09}" type="slidenum">
+              <a:rPr lang="en-US" smtClean="0"/>
               <a:t>‹#›</a:t>
             </a:fld>
-            <a:endParaRPr lang="en-CA"/>
+            <a:endParaRPr lang="en-US"/>
           </a:p>
         </p:txBody>
       </p:sp>
     </p:spTree>
     <p:extLst>
       <p:ext uri="{BB962C8B-B14F-4D97-AF65-F5344CB8AC3E}">
-        <p14:creationId xmlns:p14="http://schemas.microsoft.com/office/powerpoint/2010/main" val="1022049472"/>
+        <p14:creationId xmlns:p14="http://schemas.microsoft.com/office/powerpoint/2010/main" val="1332809079"/>
       </p:ext>
     </p:extLst>
   </p:cSld>
@@ -2432,7 +2773,13 @@
       </p:grpSpPr>
       <p:sp>
         <p:nvSpPr>
-          <p:cNvPr id="2" name="Title Placeholder 1"/>
+          <p:cNvPr id="2" name="Title Placeholder 1">
+            <a:extLst>
+              <a:ext uri="{FF2B5EF4-FFF2-40B4-BE49-F238E27FC236}">
+                <a16:creationId xmlns:a16="http://schemas.microsoft.com/office/drawing/2014/main" id="{D3D2E957-76AD-AF46-B80F-3BF9DD8A93E2}"/>
+              </a:ext>
+            </a:extLst>
+          </p:cNvPr>
           <p:cNvSpPr>
             <a:spLocks noGrp="1"/>
           </p:cNvSpPr>
@@ -2456,16 +2803,21 @@
           <a:lstStyle/>
           <a:p>
             <a:r>
-              <a:rPr lang="en-US" smtClean="0"/>
+              <a:rPr lang="en-US"/>
               <a:t>Click to edit Master title style</a:t>
             </a:r>
-            <a:endParaRPr lang="en-CA"/>
-          </a:p>
-        </p:txBody>
-      </p:sp>
-      <p:sp>
-        <p:nvSpPr>
-          <p:cNvPr id="3" name="Text Placeholder 2"/>
+          </a:p>
+        </p:txBody>
+      </p:sp>
+      <p:sp>
+        <p:nvSpPr>
+          <p:cNvPr id="3" name="Text Placeholder 2">
+            <a:extLst>
+              <a:ext uri="{FF2B5EF4-FFF2-40B4-BE49-F238E27FC236}">
+                <a16:creationId xmlns:a16="http://schemas.microsoft.com/office/drawing/2014/main" id="{AAFA3F0D-6D67-9947-AB02-2C44DC3344DF}"/>
+              </a:ext>
+            </a:extLst>
+          </p:cNvPr>
           <p:cNvSpPr>
             <a:spLocks noGrp="1"/>
           </p:cNvSpPr>
@@ -2490,44 +2842,49 @@
           <a:p>
             <a:pPr lvl="0"/>
             <a:r>
-              <a:rPr lang="en-US" smtClean="0"/>
+              <a:rPr lang="en-US"/>
               <a:t>Edit Master text styles</a:t>
             </a:r>
           </a:p>
           <a:p>
             <a:pPr lvl="1"/>
             <a:r>
-              <a:rPr lang="en-US" smtClean="0"/>
+              <a:rPr lang="en-US"/>
               <a:t>Second level</a:t>
             </a:r>
           </a:p>
           <a:p>
             <a:pPr lvl="2"/>
             <a:r>
-              <a:rPr lang="en-US" smtClean="0"/>
+              <a:rPr lang="en-US"/>
               <a:t>Third level</a:t>
             </a:r>
           </a:p>
           <a:p>
             <a:pPr lvl="3"/>
             <a:r>
-              <a:rPr lang="en-US" smtClean="0"/>
+              <a:rPr lang="en-US"/>
               <a:t>Fourth level</a:t>
             </a:r>
           </a:p>
           <a:p>
             <a:pPr lvl="4"/>
             <a:r>
-              <a:rPr lang="en-US" smtClean="0"/>
+              <a:rPr lang="en-US"/>
               <a:t>Fifth level</a:t>
             </a:r>
-            <a:endParaRPr lang="en-CA"/>
-          </a:p>
-        </p:txBody>
-      </p:sp>
-      <p:sp>
-        <p:nvSpPr>
-          <p:cNvPr id="4" name="Date Placeholder 3"/>
+          </a:p>
+        </p:txBody>
+      </p:sp>
+      <p:sp>
+        <p:nvSpPr>
+          <p:cNvPr id="4" name="Date Placeholder 3">
+            <a:extLst>
+              <a:ext uri="{FF2B5EF4-FFF2-40B4-BE49-F238E27FC236}">
+                <a16:creationId xmlns:a16="http://schemas.microsoft.com/office/drawing/2014/main" id="{31E58CD0-9345-FE4D-8090-4E91F622FE80}"/>
+              </a:ext>
+            </a:extLst>
+          </p:cNvPr>
           <p:cNvSpPr>
             <a:spLocks noGrp="1"/>
           </p:cNvSpPr>
@@ -2558,17 +2915,23 @@
             </a:lvl1pPr>
           </a:lstStyle>
           <a:p>
-            <a:fld id="{CCEC24E2-9EAA-4FB7-AADF-E85F904A0AFD}" type="datetimeFigureOut">
-              <a:rPr lang="en-CA" smtClean="0"/>
-              <a:t>2019-10-07</a:t>
+            <a:fld id="{81C20578-04BE-3244-ADA0-079C6029EE3B}" type="datetimeFigureOut">
+              <a:rPr lang="en-US" smtClean="0"/>
+              <a:t>10/10/2019</a:t>
             </a:fld>
-            <a:endParaRPr lang="en-CA"/>
-          </a:p>
-        </p:txBody>
-      </p:sp>
-      <p:sp>
-        <p:nvSpPr>
-          <p:cNvPr id="5" name="Footer Placeholder 4"/>
+            <a:endParaRPr lang="en-US"/>
+          </a:p>
+        </p:txBody>
+      </p:sp>
+      <p:sp>
+        <p:nvSpPr>
+          <p:cNvPr id="5" name="Footer Placeholder 4">
+            <a:extLst>
+              <a:ext uri="{FF2B5EF4-FFF2-40B4-BE49-F238E27FC236}">
+                <a16:creationId xmlns:a16="http://schemas.microsoft.com/office/drawing/2014/main" id="{7B4F6189-FAAB-BB40-B27C-26BD1B0D10C4}"/>
+              </a:ext>
+            </a:extLst>
+          </p:cNvPr>
           <p:cNvSpPr>
             <a:spLocks noGrp="1"/>
           </p:cNvSpPr>
@@ -2599,13 +2962,19 @@
             </a:lvl1pPr>
           </a:lstStyle>
           <a:p>
-            <a:endParaRPr lang="en-CA"/>
-          </a:p>
-        </p:txBody>
-      </p:sp>
-      <p:sp>
-        <p:nvSpPr>
-          <p:cNvPr id="6" name="Slide Number Placeholder 5"/>
+            <a:endParaRPr lang="en-US"/>
+          </a:p>
+        </p:txBody>
+      </p:sp>
+      <p:sp>
+        <p:nvSpPr>
+          <p:cNvPr id="6" name="Slide Number Placeholder 5">
+            <a:extLst>
+              <a:ext uri="{FF2B5EF4-FFF2-40B4-BE49-F238E27FC236}">
+                <a16:creationId xmlns:a16="http://schemas.microsoft.com/office/drawing/2014/main" id="{28C82AEE-2704-7B49-A106-83854DB718FA}"/>
+              </a:ext>
+            </a:extLst>
+          </p:cNvPr>
           <p:cNvSpPr>
             <a:spLocks noGrp="1"/>
           </p:cNvSpPr>
@@ -2636,18 +3005,18 @@
             </a:lvl1pPr>
           </a:lstStyle>
           <a:p>
-            <a:fld id="{232D5694-21D2-4D68-A3B4-5FDACFB76574}" type="slidenum">
-              <a:rPr lang="en-CA" smtClean="0"/>
+            <a:fld id="{74BE2071-D48E-674C-9971-8DCADAB2FA09}" type="slidenum">
+              <a:rPr lang="en-US" smtClean="0"/>
               <a:t>‹#›</a:t>
             </a:fld>
-            <a:endParaRPr lang="en-CA"/>
+            <a:endParaRPr lang="en-US"/>
           </a:p>
         </p:txBody>
       </p:sp>
     </p:spTree>
     <p:extLst>
       <p:ext uri="{BB962C8B-B14F-4D97-AF65-F5344CB8AC3E}">
-        <p14:creationId xmlns:p14="http://schemas.microsoft.com/office/powerpoint/2010/main" val="1284677281"/>
+        <p14:creationId xmlns:p14="http://schemas.microsoft.com/office/powerpoint/2010/main" val="1508162935"/>
       </p:ext>
     </p:extLst>
   </p:cSld>
@@ -2967,7 +3336,13 @@
       </p:grpSpPr>
       <p:sp>
         <p:nvSpPr>
-          <p:cNvPr id="2" name="Title 1"/>
+          <p:cNvPr id="2" name="Title 1">
+            <a:extLst>
+              <a:ext uri="{FF2B5EF4-FFF2-40B4-BE49-F238E27FC236}">
+                <a16:creationId xmlns:a16="http://schemas.microsoft.com/office/drawing/2014/main" id="{64F644F1-198B-B146-90BD-D2F83377912F}"/>
+              </a:ext>
+            </a:extLst>
+          </p:cNvPr>
           <p:cNvSpPr>
             <a:spLocks noGrp="1"/>
           </p:cNvSpPr>
@@ -2981,23 +3356,28 @@
           <a:lstStyle/>
           <a:p>
             <a:r>
-              <a:rPr lang="en-CA" dirty="0" smtClean="0"/>
+              <a:rPr lang="en-US" dirty="0"/>
               <a:t>CS230</a:t>
             </a:r>
             <a:br>
-              <a:rPr lang="en-CA" dirty="0" smtClean="0"/>
+              <a:rPr lang="en-US" dirty="0"/>
             </a:br>
             <a:r>
-              <a:rPr lang="en-CA" dirty="0" smtClean="0"/>
+              <a:rPr lang="en-US" dirty="0"/>
               <a:t>Developing Mobile Apps</a:t>
             </a:r>
-            <a:endParaRPr lang="en-CA" dirty="0"/>
-          </a:p>
-        </p:txBody>
-      </p:sp>
-      <p:sp>
-        <p:nvSpPr>
-          <p:cNvPr id="3" name="Subtitle 2"/>
+          </a:p>
+        </p:txBody>
+      </p:sp>
+      <p:sp>
+        <p:nvSpPr>
+          <p:cNvPr id="3" name="Subtitle 2">
+            <a:extLst>
+              <a:ext uri="{FF2B5EF4-FFF2-40B4-BE49-F238E27FC236}">
+                <a16:creationId xmlns:a16="http://schemas.microsoft.com/office/drawing/2014/main" id="{8173DE3C-E608-DE49-B091-69E9DEF982C7}"/>
+              </a:ext>
+            </a:extLst>
+          </p:cNvPr>
           <p:cNvSpPr>
             <a:spLocks noGrp="1"/>
           </p:cNvSpPr>
@@ -3011,17 +3391,16 @@
           <a:lstStyle/>
           <a:p>
             <a:r>
-              <a:rPr lang="en-CA" dirty="0" smtClean="0"/>
+              <a:rPr lang="en-US" dirty="0"/>
               <a:t>Lecture 9</a:t>
             </a:r>
-            <a:endParaRPr lang="en-CA" dirty="0"/>
           </a:p>
         </p:txBody>
       </p:sp>
     </p:spTree>
     <p:extLst>
       <p:ext uri="{BB962C8B-B14F-4D97-AF65-F5344CB8AC3E}">
-        <p14:creationId xmlns:p14="http://schemas.microsoft.com/office/powerpoint/2010/main" val="3821177476"/>
+        <p14:creationId xmlns:p14="http://schemas.microsoft.com/office/powerpoint/2010/main" val="2494407613"/>
       </p:ext>
     </p:extLst>
   </p:cSld>
@@ -3050,7 +3429,13 @@
       </p:grpSpPr>
       <p:sp>
         <p:nvSpPr>
-          <p:cNvPr id="2" name="Title 1"/>
+          <p:cNvPr id="2" name="Title 1">
+            <a:extLst>
+              <a:ext uri="{FF2B5EF4-FFF2-40B4-BE49-F238E27FC236}">
+                <a16:creationId xmlns:a16="http://schemas.microsoft.com/office/drawing/2014/main" id="{D008EFD5-BDB1-344C-A5B6-0701FE18E9C2}"/>
+              </a:ext>
+            </a:extLst>
+          </p:cNvPr>
           <p:cNvSpPr>
             <a:spLocks noGrp="1"/>
           </p:cNvSpPr>
@@ -3064,16 +3449,178 @@
           <a:lstStyle/>
           <a:p>
             <a:r>
-              <a:rPr lang="en-CA" dirty="0" smtClean="0"/>
-              <a:t>Lab 5</a:t>
-            </a:r>
-            <a:endParaRPr lang="en-CA" dirty="0"/>
-          </a:p>
-        </p:txBody>
-      </p:sp>
-      <p:sp>
-        <p:nvSpPr>
-          <p:cNvPr id="3" name="Content Placeholder 2"/>
+              <a:rPr lang="en-US" dirty="0"/>
+              <a:t>Lab 5	</a:t>
+            </a:r>
+          </a:p>
+        </p:txBody>
+      </p:sp>
+      <p:sp>
+        <p:nvSpPr>
+          <p:cNvPr id="3" name="Content Placeholder 2">
+            <a:extLst>
+              <a:ext uri="{FF2B5EF4-FFF2-40B4-BE49-F238E27FC236}">
+                <a16:creationId xmlns:a16="http://schemas.microsoft.com/office/drawing/2014/main" id="{3AD15147-29A7-3541-9988-797BBA2D76DA}"/>
+              </a:ext>
+            </a:extLst>
+          </p:cNvPr>
+          <p:cNvSpPr>
+            <a:spLocks noGrp="1"/>
+          </p:cNvSpPr>
+          <p:nvPr>
+            <p:ph idx="1"/>
+          </p:nvPr>
+        </p:nvSpPr>
+        <p:spPr/>
+        <p:txBody>
+          <a:bodyPr/>
+          <a:lstStyle/>
+          <a:p>
+            <a:r>
+              <a:rPr lang="en-US" dirty="0"/>
+              <a:t>Override </a:t>
+            </a:r>
+            <a:r>
+              <a:rPr lang="en-US" dirty="0" err="1"/>
+              <a:t>IntentService</a:t>
+            </a:r>
+            <a:r>
+              <a:rPr lang="en-US" dirty="0"/>
+              <a:t> to create a simple service that sleeps for 10 seconds in </a:t>
+            </a:r>
+            <a:r>
+              <a:rPr lang="en-US" dirty="0" err="1" smtClean="0"/>
+              <a:t>onHandleIntent</a:t>
+            </a:r>
+            <a:r>
+              <a:rPr lang="en-US" dirty="0"/>
+              <a:t>() and then stops</a:t>
+            </a:r>
+          </a:p>
+          <a:p>
+            <a:r>
+              <a:rPr lang="en-US" dirty="0"/>
+              <a:t>Start the </a:t>
+            </a:r>
+            <a:r>
+              <a:rPr lang="en-US" dirty="0" err="1"/>
+              <a:t>IntentService</a:t>
+            </a:r>
+            <a:r>
+              <a:rPr lang="en-US" dirty="0"/>
+              <a:t> from </a:t>
+            </a:r>
+            <a:r>
+              <a:rPr lang="en-US" dirty="0" err="1"/>
+              <a:t>mainActivity</a:t>
+            </a:r>
+            <a:endParaRPr lang="en-US" dirty="0"/>
+          </a:p>
+          <a:p>
+            <a:r>
+              <a:rPr lang="en-US" dirty="0"/>
+              <a:t>Call </a:t>
+            </a:r>
+            <a:r>
+              <a:rPr lang="en-US" dirty="0" err="1"/>
+              <a:t>startForeground</a:t>
+            </a:r>
+            <a:r>
+              <a:rPr lang="en-US" dirty="0"/>
+              <a:t> from </a:t>
+            </a:r>
+            <a:r>
+              <a:rPr lang="en-US" dirty="0" err="1"/>
+              <a:t>IntentService’s</a:t>
+            </a:r>
+            <a:r>
+              <a:rPr lang="en-US" dirty="0"/>
+              <a:t> </a:t>
+            </a:r>
+            <a:r>
+              <a:rPr lang="en-US" dirty="0" err="1" smtClean="0"/>
+              <a:t>onHandleIntent</a:t>
+            </a:r>
+            <a:r>
+              <a:rPr lang="en-US" dirty="0"/>
+              <a:t>()</a:t>
+            </a:r>
+          </a:p>
+          <a:p>
+            <a:r>
+              <a:rPr lang="en-US" dirty="0"/>
+              <a:t>Display a notification</a:t>
+            </a:r>
+          </a:p>
+        </p:txBody>
+      </p:sp>
+    </p:spTree>
+    <p:extLst>
+      <p:ext uri="{BB962C8B-B14F-4D97-AF65-F5344CB8AC3E}">
+        <p14:creationId xmlns:p14="http://schemas.microsoft.com/office/powerpoint/2010/main" val="3560681466"/>
+      </p:ext>
+    </p:extLst>
+  </p:cSld>
+  <p:clrMapOvr>
+    <a:masterClrMapping/>
+  </p:clrMapOvr>
+</p:sld>
+</file>
+
+<file path=ppt/slides/slide3.xml><?xml version="1.0" encoding="utf-8"?>
+<p:sld xmlns:a="http://schemas.openxmlformats.org/drawingml/2006/main" xmlns:r="http://schemas.openxmlformats.org/officeDocument/2006/relationships" xmlns:p="http://schemas.openxmlformats.org/presentationml/2006/main">
+  <p:cSld>
+    <p:spTree>
+      <p:nvGrpSpPr>
+        <p:cNvPr id="1" name=""/>
+        <p:cNvGrpSpPr/>
+        <p:nvPr/>
+      </p:nvGrpSpPr>
+      <p:grpSpPr>
+        <a:xfrm>
+          <a:off x="0" y="0"/>
+          <a:ext cx="0" cy="0"/>
+          <a:chOff x="0" y="0"/>
+          <a:chExt cx="0" cy="0"/>
+        </a:xfrm>
+      </p:grpSpPr>
+      <p:sp>
+        <p:nvSpPr>
+          <p:cNvPr id="2" name="Title 1">
+            <a:extLst>
+              <a:ext uri="{FF2B5EF4-FFF2-40B4-BE49-F238E27FC236}">
+                <a16:creationId xmlns:a16="http://schemas.microsoft.com/office/drawing/2014/main" id="{64FD4718-DBE1-614D-A232-1BE3C6ADA4D3}"/>
+              </a:ext>
+            </a:extLst>
+          </p:cNvPr>
+          <p:cNvSpPr>
+            <a:spLocks noGrp="1"/>
+          </p:cNvSpPr>
+          <p:nvPr>
+            <p:ph type="title"/>
+          </p:nvPr>
+        </p:nvSpPr>
+        <p:spPr/>
+        <p:txBody>
+          <a:bodyPr/>
+          <a:lstStyle/>
+          <a:p>
+            <a:r>
+              <a:rPr lang="en-US" dirty="0"/>
+              <a:t>Media app architecture overview</a:t>
+            </a:r>
+          </a:p>
+        </p:txBody>
+      </p:sp>
+      <p:sp>
+        <p:nvSpPr>
+          <p:cNvPr id="3" name="Content Placeholder 2">
+            <a:extLst>
+              <a:ext uri="{FF2B5EF4-FFF2-40B4-BE49-F238E27FC236}">
+                <a16:creationId xmlns:a16="http://schemas.microsoft.com/office/drawing/2014/main" id="{A38C412F-4197-4241-86C6-C85F5D846CB2}"/>
+              </a:ext>
+            </a:extLst>
+          </p:cNvPr>
           <p:cNvSpPr>
             <a:spLocks noGrp="1"/>
           </p:cNvSpPr>
@@ -3092,107 +3639,974 @@
           <a:lstStyle/>
           <a:p>
             <a:r>
-              <a:rPr lang="en-CA" b="1" dirty="0" smtClean="0"/>
-              <a:t>Lab 5 Foreground service</a:t>
-            </a:r>
-          </a:p>
-          <a:p>
-            <a:r>
-              <a:rPr lang="en-CA" dirty="0" smtClean="0"/>
-              <a:t>1) create new class ‘</a:t>
-            </a:r>
-            <a:r>
-              <a:rPr lang="en-CA" dirty="0" err="1" smtClean="0"/>
-              <a:t>ForegroundService</a:t>
-            </a:r>
-            <a:r>
-              <a:rPr lang="en-CA" dirty="0" smtClean="0"/>
-              <a:t>’ extending </a:t>
-            </a:r>
-            <a:r>
-              <a:rPr lang="en-CA" dirty="0" err="1" smtClean="0"/>
-              <a:t>IntentService</a:t>
-            </a:r>
-            <a:endParaRPr lang="en-CA" dirty="0" smtClean="0"/>
-          </a:p>
-          <a:p>
-            <a:r>
-              <a:rPr lang="en-CA" dirty="0" smtClean="0"/>
-              <a:t>2) start </a:t>
-            </a:r>
-            <a:r>
-              <a:rPr lang="en-CA" dirty="0" err="1" smtClean="0"/>
-              <a:t>ForegroundService</a:t>
-            </a:r>
-            <a:r>
-              <a:rPr lang="en-CA" dirty="0" smtClean="0"/>
-              <a:t> with explicit intent from </a:t>
-            </a:r>
-            <a:r>
-              <a:rPr lang="en-CA" dirty="0" err="1" smtClean="0"/>
-              <a:t>MainActivity</a:t>
-            </a:r>
-            <a:endParaRPr lang="en-CA" dirty="0" smtClean="0"/>
-          </a:p>
-          <a:p>
-            <a:r>
-              <a:rPr lang="en-CA" dirty="0" smtClean="0"/>
-              <a:t>3) in </a:t>
-            </a:r>
-            <a:r>
-              <a:rPr lang="en-CA" dirty="0" err="1" smtClean="0"/>
-              <a:t>ForegroundService</a:t>
-            </a:r>
-            <a:r>
-              <a:rPr lang="en-CA" dirty="0" smtClean="0"/>
-              <a:t>, create a new Notification and call </a:t>
-            </a:r>
-            <a:r>
-              <a:rPr lang="en-CA" dirty="0" err="1" smtClean="0"/>
-              <a:t>startForeground</a:t>
-            </a:r>
-            <a:r>
-              <a:rPr lang="en-CA" dirty="0" smtClean="0"/>
-              <a:t>(</a:t>
-            </a:r>
-            <a:r>
-              <a:rPr lang="en-CA" dirty="0" err="1" smtClean="0"/>
-              <a:t>int</a:t>
-            </a:r>
-            <a:r>
-              <a:rPr lang="en-CA" dirty="0" smtClean="0"/>
-              <a:t>, notification) to display it</a:t>
-            </a:r>
-          </a:p>
-          <a:p>
-            <a:r>
-              <a:rPr lang="en-CA" dirty="0" smtClean="0"/>
-              <a:t>4) override </a:t>
-            </a:r>
-            <a:r>
-              <a:rPr lang="en-CA" dirty="0" err="1" smtClean="0"/>
-              <a:t>onHandleIntent</a:t>
-            </a:r>
-            <a:r>
-              <a:rPr lang="en-CA" dirty="0" smtClean="0"/>
-              <a:t>(Intent intent) and sleep </a:t>
-            </a:r>
-            <a:r>
-              <a:rPr lang="en-CA" dirty="0" err="1" smtClean="0"/>
-              <a:t>ForegroundService’s</a:t>
-            </a:r>
-            <a:r>
-              <a:rPr lang="en-CA" dirty="0" smtClean="0"/>
-              <a:t> thread for 5000ms (notification should disappear after this time expires) </a:t>
-            </a:r>
-            <a:endParaRPr lang="en-CA" dirty="0"/>
+              <a:rPr lang="en-US" dirty="0"/>
+              <a:t>Assignment 2 will involve creating an audio player using Android best practices</a:t>
+            </a:r>
+          </a:p>
+          <a:p>
+            <a:r>
+              <a:rPr lang="en-US" dirty="0"/>
+              <a:t>Audio will run in foreground service, displaying notification with controls</a:t>
+            </a:r>
+          </a:p>
+          <a:p>
+            <a:endParaRPr lang="en-US" dirty="0"/>
           </a:p>
         </p:txBody>
       </p:sp>
     </p:spTree>
     <p:extLst>
       <p:ext uri="{BB962C8B-B14F-4D97-AF65-F5344CB8AC3E}">
-        <p14:creationId xmlns:p14="http://schemas.microsoft.com/office/powerpoint/2010/main" val="3392282824"/>
+        <p14:creationId xmlns:p14="http://schemas.microsoft.com/office/powerpoint/2010/main" val="1815735626"/>
+      </p:ext>
+    </p:extLst>
+  </p:cSld>
+  <p:clrMapOvr>
+    <a:masterClrMapping/>
+  </p:clrMapOvr>
+</p:sld>
+</file>
+
+<file path=ppt/slides/slide4.xml><?xml version="1.0" encoding="utf-8"?>
+<p:sld xmlns:a="http://schemas.openxmlformats.org/drawingml/2006/main" xmlns:r="http://schemas.openxmlformats.org/officeDocument/2006/relationships" xmlns:p="http://schemas.openxmlformats.org/presentationml/2006/main">
+  <p:cSld>
+    <p:spTree>
+      <p:nvGrpSpPr>
+        <p:cNvPr id="1" name=""/>
+        <p:cNvGrpSpPr/>
+        <p:nvPr/>
+      </p:nvGrpSpPr>
+      <p:grpSpPr>
+        <a:xfrm>
+          <a:off x="0" y="0"/>
+          <a:ext cx="0" cy="0"/>
+          <a:chOff x="0" y="0"/>
+          <a:chExt cx="0" cy="0"/>
+        </a:xfrm>
+      </p:grpSpPr>
+      <p:sp>
+        <p:nvSpPr>
+          <p:cNvPr id="2" name="Title 1">
+            <a:extLst>
+              <a:ext uri="{FF2B5EF4-FFF2-40B4-BE49-F238E27FC236}">
+                <a16:creationId xmlns:a16="http://schemas.microsoft.com/office/drawing/2014/main" id="{CC9292EF-9CC9-294B-9507-ED753383B105}"/>
+              </a:ext>
+            </a:extLst>
+          </p:cNvPr>
+          <p:cNvSpPr>
+            <a:spLocks noGrp="1"/>
+          </p:cNvSpPr>
+          <p:nvPr>
+            <p:ph type="title"/>
+          </p:nvPr>
+        </p:nvSpPr>
+        <p:spPr/>
+        <p:txBody>
+          <a:bodyPr/>
+          <a:lstStyle/>
+          <a:p>
+            <a:r>
+              <a:rPr lang="en-US" dirty="0"/>
+              <a:t>Player and UI</a:t>
+            </a:r>
+          </a:p>
+        </p:txBody>
+      </p:sp>
+      <p:sp>
+        <p:nvSpPr>
+          <p:cNvPr id="3" name="Content Placeholder 2">
+            <a:extLst>
+              <a:ext uri="{FF2B5EF4-FFF2-40B4-BE49-F238E27FC236}">
+                <a16:creationId xmlns:a16="http://schemas.microsoft.com/office/drawing/2014/main" id="{E902161D-A737-6B4D-86B9-84B8207F2348}"/>
+              </a:ext>
+            </a:extLst>
+          </p:cNvPr>
+          <p:cNvSpPr>
+            <a:spLocks noGrp="1"/>
+          </p:cNvSpPr>
+          <p:nvPr>
+            <p:ph idx="1"/>
+          </p:nvPr>
+        </p:nvSpPr>
+        <p:spPr>
+          <a:xfrm>
+            <a:off x="0" y="1794889"/>
+            <a:ext cx="12192000" cy="4351338"/>
+          </a:xfrm>
+        </p:spPr>
+        <p:txBody>
+          <a:bodyPr/>
+          <a:lstStyle/>
+          <a:p>
+            <a:r>
+              <a:rPr lang="en-US" dirty="0"/>
+              <a:t>A multimedia application that plays audio or video usually has two parts:</a:t>
+            </a:r>
+          </a:p>
+          <a:p>
+            <a:r>
+              <a:rPr lang="en-US" dirty="0"/>
+              <a:t>1) a player that takes digital media in and renders it as video/audio</a:t>
+            </a:r>
+          </a:p>
+          <a:p>
+            <a:r>
+              <a:rPr lang="en-US" dirty="0"/>
+              <a:t>2) A UI with transport controls to run the player and optionally display its state</a:t>
+            </a:r>
+          </a:p>
+          <a:p>
+            <a:endParaRPr lang="en-US" dirty="0"/>
+          </a:p>
+        </p:txBody>
+      </p:sp>
+      <p:pic>
+        <p:nvPicPr>
+          <p:cNvPr id="5" name="Picture 4">
+            <a:extLst>
+              <a:ext uri="{FF2B5EF4-FFF2-40B4-BE49-F238E27FC236}">
+                <a16:creationId xmlns:a16="http://schemas.microsoft.com/office/drawing/2014/main" id="{E324B2E0-E0B1-474D-A55A-25B0FD98F0F9}"/>
+              </a:ext>
+            </a:extLst>
+          </p:cNvPr>
+          <p:cNvPicPr>
+            <a:picLocks noChangeAspect="1"/>
+          </p:cNvPicPr>
+          <p:nvPr/>
+        </p:nvPicPr>
+        <p:blipFill>
+          <a:blip r:embed="rId2"/>
+          <a:stretch>
+            <a:fillRect/>
+          </a:stretch>
+        </p:blipFill>
+        <p:spPr>
+          <a:xfrm>
+            <a:off x="2772388" y="3662875"/>
+            <a:ext cx="6110354" cy="2483352"/>
+          </a:xfrm>
+          <a:prstGeom prst="rect">
+            <a:avLst/>
+          </a:prstGeom>
+        </p:spPr>
+      </p:pic>
+    </p:spTree>
+    <p:extLst>
+      <p:ext uri="{BB962C8B-B14F-4D97-AF65-F5344CB8AC3E}">
+        <p14:creationId xmlns:p14="http://schemas.microsoft.com/office/powerpoint/2010/main" val="2417661065"/>
+      </p:ext>
+    </p:extLst>
+  </p:cSld>
+  <p:clrMapOvr>
+    <a:masterClrMapping/>
+  </p:clrMapOvr>
+</p:sld>
+</file>
+
+<file path=ppt/slides/slide5.xml><?xml version="1.0" encoding="utf-8"?>
+<p:sld xmlns:a="http://schemas.openxmlformats.org/drawingml/2006/main" xmlns:r="http://schemas.openxmlformats.org/officeDocument/2006/relationships" xmlns:p="http://schemas.openxmlformats.org/presentationml/2006/main">
+  <p:cSld>
+    <p:spTree>
+      <p:nvGrpSpPr>
+        <p:cNvPr id="1" name=""/>
+        <p:cNvGrpSpPr/>
+        <p:nvPr/>
+      </p:nvGrpSpPr>
+      <p:grpSpPr>
+        <a:xfrm>
+          <a:off x="0" y="0"/>
+          <a:ext cx="0" cy="0"/>
+          <a:chOff x="0" y="0"/>
+          <a:chExt cx="0" cy="0"/>
+        </a:xfrm>
+      </p:grpSpPr>
+      <p:sp>
+        <p:nvSpPr>
+          <p:cNvPr id="2" name="Title 1">
+            <a:extLst>
+              <a:ext uri="{FF2B5EF4-FFF2-40B4-BE49-F238E27FC236}">
+                <a16:creationId xmlns:a16="http://schemas.microsoft.com/office/drawing/2014/main" id="{821CFBEA-FA01-1548-A1CB-AEB115F7BA17}"/>
+              </a:ext>
+            </a:extLst>
+          </p:cNvPr>
+          <p:cNvSpPr>
+            <a:spLocks noGrp="1"/>
+          </p:cNvSpPr>
+          <p:nvPr>
+            <p:ph type="title"/>
+          </p:nvPr>
+        </p:nvSpPr>
+        <p:spPr/>
+        <p:txBody>
+          <a:bodyPr/>
+          <a:lstStyle/>
+          <a:p>
+            <a:r>
+              <a:rPr lang="en-US" dirty="0"/>
+              <a:t>Building your player</a:t>
+            </a:r>
+          </a:p>
+        </p:txBody>
+      </p:sp>
+      <p:sp>
+        <p:nvSpPr>
+          <p:cNvPr id="3" name="Content Placeholder 2">
+            <a:extLst>
+              <a:ext uri="{FF2B5EF4-FFF2-40B4-BE49-F238E27FC236}">
+                <a16:creationId xmlns:a16="http://schemas.microsoft.com/office/drawing/2014/main" id="{5000B5F5-ACC6-0040-BA36-D3F4D9F3BEC3}"/>
+              </a:ext>
+            </a:extLst>
+          </p:cNvPr>
+          <p:cNvSpPr>
+            <a:spLocks noGrp="1"/>
+          </p:cNvSpPr>
+          <p:nvPr>
+            <p:ph idx="1"/>
+          </p:nvPr>
+        </p:nvSpPr>
+        <p:spPr/>
+        <p:txBody>
+          <a:bodyPr/>
+          <a:lstStyle/>
+          <a:p>
+            <a:r>
+              <a:rPr lang="en-US" dirty="0" err="1"/>
+              <a:t>MediaPlayer</a:t>
+            </a:r>
+            <a:r>
+              <a:rPr lang="en-US" dirty="0"/>
+              <a:t> class provides basic functionality for a bare-bones player, supporting the most common audio/video formats and data sources</a:t>
+            </a:r>
+          </a:p>
+          <a:p>
+            <a:r>
+              <a:rPr lang="en-US" dirty="0" err="1"/>
+              <a:t>ExoPlayer</a:t>
+            </a:r>
+            <a:r>
+              <a:rPr lang="en-US" dirty="0"/>
+              <a:t> is an open source library exposing lower-level Android audio APIs. </a:t>
+            </a:r>
+          </a:p>
+          <a:p>
+            <a:r>
+              <a:rPr lang="en-US" dirty="0" err="1"/>
+              <a:t>ExoPlayer</a:t>
+            </a:r>
+            <a:r>
+              <a:rPr lang="en-US" dirty="0"/>
+              <a:t> supports high performance features like DASH and HLS streaming which are not available in </a:t>
+            </a:r>
+            <a:r>
+              <a:rPr lang="en-US" dirty="0" err="1"/>
+              <a:t>MediaPlayer</a:t>
+            </a:r>
+            <a:r>
+              <a:rPr lang="en-US" dirty="0"/>
+              <a:t>. </a:t>
+            </a:r>
+          </a:p>
+        </p:txBody>
+      </p:sp>
+    </p:spTree>
+    <p:extLst>
+      <p:ext uri="{BB962C8B-B14F-4D97-AF65-F5344CB8AC3E}">
+        <p14:creationId xmlns:p14="http://schemas.microsoft.com/office/powerpoint/2010/main" val="413415911"/>
+      </p:ext>
+    </p:extLst>
+  </p:cSld>
+  <p:clrMapOvr>
+    <a:masterClrMapping/>
+  </p:clrMapOvr>
+</p:sld>
+</file>
+
+<file path=ppt/slides/slide6.xml><?xml version="1.0" encoding="utf-8"?>
+<p:sld xmlns:a="http://schemas.openxmlformats.org/drawingml/2006/main" xmlns:r="http://schemas.openxmlformats.org/officeDocument/2006/relationships" xmlns:p="http://schemas.openxmlformats.org/presentationml/2006/main">
+  <p:cSld>
+    <p:spTree>
+      <p:nvGrpSpPr>
+        <p:cNvPr id="1" name=""/>
+        <p:cNvGrpSpPr/>
+        <p:nvPr/>
+      </p:nvGrpSpPr>
+      <p:grpSpPr>
+        <a:xfrm>
+          <a:off x="0" y="0"/>
+          <a:ext cx="0" cy="0"/>
+          <a:chOff x="0" y="0"/>
+          <a:chExt cx="0" cy="0"/>
+        </a:xfrm>
+      </p:grpSpPr>
+      <p:sp>
+        <p:nvSpPr>
+          <p:cNvPr id="2" name="Title 1">
+            <a:extLst>
+              <a:ext uri="{FF2B5EF4-FFF2-40B4-BE49-F238E27FC236}">
+                <a16:creationId xmlns:a16="http://schemas.microsoft.com/office/drawing/2014/main" id="{ACA4DDAC-DD23-344A-B52B-AF9A257C1D65}"/>
+              </a:ext>
+            </a:extLst>
+          </p:cNvPr>
+          <p:cNvSpPr>
+            <a:spLocks noGrp="1"/>
+          </p:cNvSpPr>
+          <p:nvPr>
+            <p:ph type="title"/>
+          </p:nvPr>
+        </p:nvSpPr>
+        <p:spPr/>
+        <p:txBody>
+          <a:bodyPr/>
+          <a:lstStyle/>
+          <a:p>
+            <a:r>
+              <a:rPr lang="en-US" dirty="0"/>
+              <a:t>Media session and media controller</a:t>
+            </a:r>
+          </a:p>
+        </p:txBody>
+      </p:sp>
+      <p:sp>
+        <p:nvSpPr>
+          <p:cNvPr id="3" name="Content Placeholder 2">
+            <a:extLst>
+              <a:ext uri="{FF2B5EF4-FFF2-40B4-BE49-F238E27FC236}">
+                <a16:creationId xmlns:a16="http://schemas.microsoft.com/office/drawing/2014/main" id="{1DDE8910-D0E7-7E45-9991-F27973BA7315}"/>
+              </a:ext>
+            </a:extLst>
+          </p:cNvPr>
+          <p:cNvSpPr>
+            <a:spLocks noGrp="1"/>
+          </p:cNvSpPr>
+          <p:nvPr>
+            <p:ph idx="1"/>
+          </p:nvPr>
+        </p:nvSpPr>
+        <p:spPr>
+          <a:xfrm>
+            <a:off x="838200" y="1825625"/>
+            <a:ext cx="10515600" cy="2677219"/>
+          </a:xfrm>
+        </p:spPr>
+        <p:txBody>
+          <a:bodyPr>
+            <a:normAutofit fontScale="92500" lnSpcReduction="10000"/>
+          </a:bodyPr>
+          <a:lstStyle/>
+          <a:p>
+            <a:r>
+              <a:rPr lang="en-US" dirty="0"/>
+              <a:t>APIs used to build UI/player are arbitrary, but the interaction between these two components is the same for all media apps</a:t>
+            </a:r>
+          </a:p>
+          <a:p>
+            <a:r>
+              <a:rPr lang="en-US" dirty="0"/>
+              <a:t>Android framework defines two classes: media session and media controller, imposing well-defined structure for building media app</a:t>
+            </a:r>
+          </a:p>
+          <a:p>
+            <a:r>
+              <a:rPr lang="en-US" dirty="0"/>
+              <a:t>Media session and media controller communicate through callbacks corresponding to standard player actions (play, pause, stop, etc.) as well as custom actions you can define</a:t>
+            </a:r>
+          </a:p>
+          <a:p>
+            <a:endParaRPr lang="en-US" dirty="0"/>
+          </a:p>
+        </p:txBody>
+      </p:sp>
+      <p:pic>
+        <p:nvPicPr>
+          <p:cNvPr id="4" name="Picture 3">
+            <a:extLst>
+              <a:ext uri="{FF2B5EF4-FFF2-40B4-BE49-F238E27FC236}">
+                <a16:creationId xmlns:a16="http://schemas.microsoft.com/office/drawing/2014/main" id="{AB0267F1-F5B0-3F43-A896-A4EA68A69A1A}"/>
+              </a:ext>
+            </a:extLst>
+          </p:cNvPr>
+          <p:cNvPicPr>
+            <a:picLocks noChangeAspect="1"/>
+          </p:cNvPicPr>
+          <p:nvPr/>
+        </p:nvPicPr>
+        <p:blipFill>
+          <a:blip r:embed="rId2"/>
+          <a:stretch>
+            <a:fillRect/>
+          </a:stretch>
+        </p:blipFill>
+        <p:spPr>
+          <a:xfrm>
+            <a:off x="2034135" y="4757856"/>
+            <a:ext cx="8024266" cy="1731263"/>
+          </a:xfrm>
+          <a:prstGeom prst="rect">
+            <a:avLst/>
+          </a:prstGeom>
+        </p:spPr>
+      </p:pic>
+    </p:spTree>
+    <p:extLst>
+      <p:ext uri="{BB962C8B-B14F-4D97-AF65-F5344CB8AC3E}">
+        <p14:creationId xmlns:p14="http://schemas.microsoft.com/office/powerpoint/2010/main" val="3217576384"/>
+      </p:ext>
+    </p:extLst>
+  </p:cSld>
+  <p:clrMapOvr>
+    <a:masterClrMapping/>
+  </p:clrMapOvr>
+</p:sld>
+</file>
+
+<file path=ppt/slides/slide7.xml><?xml version="1.0" encoding="utf-8"?>
+<p:sld xmlns:a="http://schemas.openxmlformats.org/drawingml/2006/main" xmlns:r="http://schemas.openxmlformats.org/officeDocument/2006/relationships" xmlns:p="http://schemas.openxmlformats.org/presentationml/2006/main">
+  <p:cSld>
+    <p:spTree>
+      <p:nvGrpSpPr>
+        <p:cNvPr id="1" name=""/>
+        <p:cNvGrpSpPr/>
+        <p:nvPr/>
+      </p:nvGrpSpPr>
+      <p:grpSpPr>
+        <a:xfrm>
+          <a:off x="0" y="0"/>
+          <a:ext cx="0" cy="0"/>
+          <a:chOff x="0" y="0"/>
+          <a:chExt cx="0" cy="0"/>
+        </a:xfrm>
+      </p:grpSpPr>
+      <p:sp>
+        <p:nvSpPr>
+          <p:cNvPr id="2" name="Title 1">
+            <a:extLst>
+              <a:ext uri="{FF2B5EF4-FFF2-40B4-BE49-F238E27FC236}">
+                <a16:creationId xmlns:a16="http://schemas.microsoft.com/office/drawing/2014/main" id="{F6489EDF-A11A-4249-B1DA-4760625AB382}"/>
+              </a:ext>
+            </a:extLst>
+          </p:cNvPr>
+          <p:cNvSpPr>
+            <a:spLocks noGrp="1"/>
+          </p:cNvSpPr>
+          <p:nvPr>
+            <p:ph type="title"/>
+          </p:nvPr>
+        </p:nvSpPr>
+        <p:spPr/>
+        <p:txBody>
+          <a:bodyPr/>
+          <a:lstStyle/>
+          <a:p>
+            <a:r>
+              <a:rPr lang="en-US" dirty="0"/>
+              <a:t>Media session</a:t>
+            </a:r>
+          </a:p>
+        </p:txBody>
+      </p:sp>
+      <p:sp>
+        <p:nvSpPr>
+          <p:cNvPr id="3" name="Content Placeholder 2">
+            <a:extLst>
+              <a:ext uri="{FF2B5EF4-FFF2-40B4-BE49-F238E27FC236}">
+                <a16:creationId xmlns:a16="http://schemas.microsoft.com/office/drawing/2014/main" id="{2D6B088A-326A-C245-814C-681D225A5B78}"/>
+              </a:ext>
+            </a:extLst>
+          </p:cNvPr>
+          <p:cNvSpPr>
+            <a:spLocks noGrp="1"/>
+          </p:cNvSpPr>
+          <p:nvPr>
+            <p:ph idx="1"/>
+          </p:nvPr>
+        </p:nvSpPr>
+        <p:spPr>
+          <a:xfrm>
+            <a:off x="245889" y="1825625"/>
+            <a:ext cx="11756571" cy="4351338"/>
+          </a:xfrm>
+        </p:spPr>
+        <p:txBody>
+          <a:bodyPr/>
+          <a:lstStyle/>
+          <a:p>
+            <a:r>
+              <a:rPr lang="en-US" dirty="0"/>
+              <a:t>Media session is responsible for all communication with the player</a:t>
+            </a:r>
+          </a:p>
+          <a:p>
+            <a:r>
+              <a:rPr lang="en-US" dirty="0"/>
+              <a:t>Hides player’s API from rest of app</a:t>
+            </a:r>
+          </a:p>
+          <a:p>
+            <a:r>
+              <a:rPr lang="en-US" dirty="0"/>
+              <a:t>Player is only called from media session that controls it</a:t>
+            </a:r>
+          </a:p>
+          <a:p>
+            <a:r>
+              <a:rPr lang="en-US" dirty="0"/>
+              <a:t>Maintains representation of player’s state (play/pause, what is playing, etc.)</a:t>
+            </a:r>
+          </a:p>
+          <a:p>
+            <a:r>
+              <a:rPr lang="en-US" dirty="0"/>
+              <a:t>Media session can receive callbacks from one or more media controllers</a:t>
+            </a:r>
+          </a:p>
+          <a:p>
+            <a:pPr lvl="1"/>
+            <a:r>
+              <a:rPr lang="en-US" dirty="0"/>
+              <a:t>This makes it possible to control player from app UI as well as companion devices (wear)</a:t>
+            </a:r>
+          </a:p>
+          <a:p>
+            <a:r>
+              <a:rPr lang="en-US" dirty="0"/>
+              <a:t>Response to a </a:t>
+            </a:r>
+            <a:r>
+              <a:rPr lang="en-US" dirty="0" err="1"/>
+              <a:t>MediaSession</a:t>
+            </a:r>
+            <a:r>
+              <a:rPr lang="en-US" dirty="0"/>
+              <a:t> callback should be same regardless of the device that initiates it</a:t>
+            </a:r>
+          </a:p>
+        </p:txBody>
+      </p:sp>
+    </p:spTree>
+    <p:extLst>
+      <p:ext uri="{BB962C8B-B14F-4D97-AF65-F5344CB8AC3E}">
+        <p14:creationId xmlns:p14="http://schemas.microsoft.com/office/powerpoint/2010/main" val="3075521917"/>
+      </p:ext>
+    </p:extLst>
+  </p:cSld>
+  <p:clrMapOvr>
+    <a:masterClrMapping/>
+  </p:clrMapOvr>
+</p:sld>
+</file>
+
+<file path=ppt/slides/slide8.xml><?xml version="1.0" encoding="utf-8"?>
+<p:sld xmlns:a="http://schemas.openxmlformats.org/drawingml/2006/main" xmlns:r="http://schemas.openxmlformats.org/officeDocument/2006/relationships" xmlns:p="http://schemas.openxmlformats.org/presentationml/2006/main">
+  <p:cSld>
+    <p:spTree>
+      <p:nvGrpSpPr>
+        <p:cNvPr id="1" name=""/>
+        <p:cNvGrpSpPr/>
+        <p:nvPr/>
+      </p:nvGrpSpPr>
+      <p:grpSpPr>
+        <a:xfrm>
+          <a:off x="0" y="0"/>
+          <a:ext cx="0" cy="0"/>
+          <a:chOff x="0" y="0"/>
+          <a:chExt cx="0" cy="0"/>
+        </a:xfrm>
+      </p:grpSpPr>
+      <p:sp>
+        <p:nvSpPr>
+          <p:cNvPr id="2" name="Title 1">
+            <a:extLst>
+              <a:ext uri="{FF2B5EF4-FFF2-40B4-BE49-F238E27FC236}">
+                <a16:creationId xmlns:a16="http://schemas.microsoft.com/office/drawing/2014/main" id="{6BD5CCB0-2516-B74C-9329-8341A47FB8FA}"/>
+              </a:ext>
+            </a:extLst>
+          </p:cNvPr>
+          <p:cNvSpPr>
+            <a:spLocks noGrp="1"/>
+          </p:cNvSpPr>
+          <p:nvPr>
+            <p:ph type="title"/>
+          </p:nvPr>
+        </p:nvSpPr>
+        <p:spPr/>
+        <p:txBody>
+          <a:bodyPr/>
+          <a:lstStyle/>
+          <a:p>
+            <a:r>
+              <a:rPr lang="en-US" dirty="0"/>
+              <a:t>Media Controller</a:t>
+            </a:r>
+          </a:p>
+        </p:txBody>
+      </p:sp>
+      <p:sp>
+        <p:nvSpPr>
+          <p:cNvPr id="3" name="Content Placeholder 2">
+            <a:extLst>
+              <a:ext uri="{FF2B5EF4-FFF2-40B4-BE49-F238E27FC236}">
+                <a16:creationId xmlns:a16="http://schemas.microsoft.com/office/drawing/2014/main" id="{338A530E-F0C9-EF4D-B0A7-C567D8AF3951}"/>
+              </a:ext>
+            </a:extLst>
+          </p:cNvPr>
+          <p:cNvSpPr>
+            <a:spLocks noGrp="1"/>
+          </p:cNvSpPr>
+          <p:nvPr>
+            <p:ph idx="1"/>
+          </p:nvPr>
+        </p:nvSpPr>
+        <p:spPr>
+          <a:xfrm>
+            <a:off x="491777" y="1825625"/>
+            <a:ext cx="11257109" cy="4351338"/>
+          </a:xfrm>
+        </p:spPr>
+        <p:txBody>
+          <a:bodyPr/>
+          <a:lstStyle/>
+          <a:p>
+            <a:r>
+              <a:rPr lang="en-US" dirty="0"/>
+              <a:t>Media controller isolates your UI</a:t>
+            </a:r>
+          </a:p>
+          <a:p>
+            <a:r>
+              <a:rPr lang="en-US" dirty="0"/>
+              <a:t>UI code only communicates with controller, not player itself</a:t>
+            </a:r>
+          </a:p>
+          <a:p>
+            <a:r>
+              <a:rPr lang="en-US" dirty="0"/>
+              <a:t>Controller translates control actions into callbacks to the media session</a:t>
+            </a:r>
+          </a:p>
+          <a:p>
+            <a:r>
+              <a:rPr lang="en-US" dirty="0"/>
+              <a:t>Controller receives callbacks from media session whenever state changes</a:t>
+            </a:r>
+          </a:p>
+          <a:p>
+            <a:pPr lvl="1"/>
+            <a:r>
+              <a:rPr lang="en-US" dirty="0"/>
+              <a:t>This provides mechanism to automatically update the UI</a:t>
+            </a:r>
+          </a:p>
+          <a:p>
+            <a:endParaRPr lang="en-US" dirty="0"/>
+          </a:p>
+        </p:txBody>
+      </p:sp>
+    </p:spTree>
+    <p:extLst>
+      <p:ext uri="{BB962C8B-B14F-4D97-AF65-F5344CB8AC3E}">
+        <p14:creationId xmlns:p14="http://schemas.microsoft.com/office/powerpoint/2010/main" val="3247169127"/>
+      </p:ext>
+    </p:extLst>
+  </p:cSld>
+  <p:clrMapOvr>
+    <a:masterClrMapping/>
+  </p:clrMapOvr>
+</p:sld>
+</file>
+
+<file path=ppt/slides/slide9.xml><?xml version="1.0" encoding="utf-8"?>
+<p:sld xmlns:a="http://schemas.openxmlformats.org/drawingml/2006/main" xmlns:r="http://schemas.openxmlformats.org/officeDocument/2006/relationships" xmlns:p="http://schemas.openxmlformats.org/presentationml/2006/main">
+  <p:cSld>
+    <p:spTree>
+      <p:nvGrpSpPr>
+        <p:cNvPr id="1" name=""/>
+        <p:cNvGrpSpPr/>
+        <p:nvPr/>
+      </p:nvGrpSpPr>
+      <p:grpSpPr>
+        <a:xfrm>
+          <a:off x="0" y="0"/>
+          <a:ext cx="0" cy="0"/>
+          <a:chOff x="0" y="0"/>
+          <a:chExt cx="0" cy="0"/>
+        </a:xfrm>
+      </p:grpSpPr>
+      <p:sp>
+        <p:nvSpPr>
+          <p:cNvPr id="2" name="Title 1">
+            <a:extLst>
+              <a:ext uri="{FF2B5EF4-FFF2-40B4-BE49-F238E27FC236}">
+                <a16:creationId xmlns:a16="http://schemas.microsoft.com/office/drawing/2014/main" id="{8E0268E9-D2BC-3046-A2D3-CFF985281331}"/>
+              </a:ext>
+            </a:extLst>
+          </p:cNvPr>
+          <p:cNvSpPr>
+            <a:spLocks noGrp="1"/>
+          </p:cNvSpPr>
+          <p:nvPr>
+            <p:ph type="title"/>
+          </p:nvPr>
+        </p:nvSpPr>
+        <p:spPr/>
+        <p:txBody>
+          <a:bodyPr/>
+          <a:lstStyle/>
+          <a:p>
+            <a:r>
+              <a:rPr lang="en-US" dirty="0"/>
+              <a:t>Video apps vs audio apps</a:t>
+            </a:r>
+          </a:p>
+        </p:txBody>
+      </p:sp>
+      <p:sp>
+        <p:nvSpPr>
+          <p:cNvPr id="3" name="Content Placeholder 2">
+            <a:extLst>
+              <a:ext uri="{FF2B5EF4-FFF2-40B4-BE49-F238E27FC236}">
+                <a16:creationId xmlns:a16="http://schemas.microsoft.com/office/drawing/2014/main" id="{4C6D9FD9-796D-FB47-B924-192E1BB0E32C}"/>
+              </a:ext>
+            </a:extLst>
+          </p:cNvPr>
+          <p:cNvSpPr>
+            <a:spLocks noGrp="1"/>
+          </p:cNvSpPr>
+          <p:nvPr>
+            <p:ph idx="1"/>
+          </p:nvPr>
+        </p:nvSpPr>
+        <p:spPr>
+          <a:xfrm>
+            <a:off x="307361" y="1825625"/>
+            <a:ext cx="7226459" cy="4770584"/>
+          </a:xfrm>
+        </p:spPr>
+        <p:txBody>
+          <a:bodyPr>
+            <a:normAutofit lnSpcReduction="10000"/>
+          </a:bodyPr>
+          <a:lstStyle/>
+          <a:p>
+            <a:r>
+              <a:rPr lang="en-US" dirty="0"/>
+              <a:t>Fundamental difference – can do other things while audio app is playing</a:t>
+            </a:r>
+          </a:p>
+          <a:p>
+            <a:r>
+              <a:rPr lang="en-US" dirty="0"/>
+              <a:t>Video app: </a:t>
+            </a:r>
+          </a:p>
+          <a:p>
+            <a:pPr lvl="1"/>
+            <a:r>
+              <a:rPr lang="en-US" dirty="0"/>
+              <a:t>Needs a window for viewing content. </a:t>
+            </a:r>
+          </a:p>
+          <a:p>
+            <a:pPr lvl="1"/>
+            <a:r>
+              <a:rPr lang="en-US" dirty="0"/>
+              <a:t>Usually implemented as a single activity</a:t>
+            </a:r>
+          </a:p>
+          <a:p>
+            <a:pPr lvl="1"/>
+            <a:r>
+              <a:rPr lang="en-US" dirty="0"/>
+              <a:t>Video screen is part of this activity</a:t>
+            </a:r>
+          </a:p>
+          <a:p>
+            <a:r>
+              <a:rPr lang="en-US" dirty="0"/>
+              <a:t>Audio app:</a:t>
+            </a:r>
+          </a:p>
+          <a:p>
+            <a:pPr lvl="1"/>
+            <a:r>
+              <a:rPr lang="en-US" dirty="0"/>
+              <a:t>Does not always need UI to be visible</a:t>
+            </a:r>
+          </a:p>
+          <a:p>
+            <a:pPr lvl="1"/>
+            <a:r>
+              <a:rPr lang="en-US" dirty="0"/>
+              <a:t>Can run as background task</a:t>
+            </a:r>
+          </a:p>
+          <a:p>
+            <a:pPr lvl="1"/>
+            <a:r>
+              <a:rPr lang="en-US" dirty="0"/>
+              <a:t>Implement this behavior using two components:</a:t>
+            </a:r>
+          </a:p>
+          <a:p>
+            <a:pPr lvl="2"/>
+            <a:r>
+              <a:rPr lang="en-US" dirty="0"/>
+              <a:t>1) activity for the UI</a:t>
+            </a:r>
+          </a:p>
+          <a:p>
+            <a:pPr lvl="2"/>
+            <a:r>
+              <a:rPr lang="en-US" dirty="0"/>
+              <a:t>2) service for the player</a:t>
+            </a:r>
+          </a:p>
+          <a:p>
+            <a:pPr lvl="1"/>
+            <a:endParaRPr lang="en-US" dirty="0"/>
+          </a:p>
+          <a:p>
+            <a:pPr lvl="1"/>
+            <a:endParaRPr lang="en-US" dirty="0"/>
+          </a:p>
+          <a:p>
+            <a:endParaRPr lang="en-US" dirty="0"/>
+          </a:p>
+        </p:txBody>
+      </p:sp>
+      <p:pic>
+        <p:nvPicPr>
+          <p:cNvPr id="4" name="Picture 3">
+            <a:extLst>
+              <a:ext uri="{FF2B5EF4-FFF2-40B4-BE49-F238E27FC236}">
+                <a16:creationId xmlns:a16="http://schemas.microsoft.com/office/drawing/2014/main" id="{8BBC2BF1-E753-6E48-8821-3707B405AA98}"/>
+              </a:ext>
+            </a:extLst>
+          </p:cNvPr>
+          <p:cNvPicPr>
+            <a:picLocks noChangeAspect="1"/>
+          </p:cNvPicPr>
+          <p:nvPr/>
+        </p:nvPicPr>
+        <p:blipFill>
+          <a:blip r:embed="rId2"/>
+          <a:stretch>
+            <a:fillRect/>
+          </a:stretch>
+        </p:blipFill>
+        <p:spPr>
+          <a:xfrm>
+            <a:off x="7420964" y="1690688"/>
+            <a:ext cx="4504853" cy="1972395"/>
+          </a:xfrm>
+          <a:prstGeom prst="rect">
+            <a:avLst/>
+          </a:prstGeom>
+        </p:spPr>
+      </p:pic>
+      <p:pic>
+        <p:nvPicPr>
+          <p:cNvPr id="5" name="Picture 4">
+            <a:extLst>
+              <a:ext uri="{FF2B5EF4-FFF2-40B4-BE49-F238E27FC236}">
+                <a16:creationId xmlns:a16="http://schemas.microsoft.com/office/drawing/2014/main" id="{F2548955-A1DB-4046-9BFF-1718C34DE28B}"/>
+              </a:ext>
+            </a:extLst>
+          </p:cNvPr>
+          <p:cNvPicPr>
+            <a:picLocks noChangeAspect="1"/>
+          </p:cNvPicPr>
+          <p:nvPr/>
+        </p:nvPicPr>
+        <p:blipFill>
+          <a:blip r:embed="rId3"/>
+          <a:stretch>
+            <a:fillRect/>
+          </a:stretch>
+        </p:blipFill>
+        <p:spPr>
+          <a:xfrm>
+            <a:off x="7375330" y="4645799"/>
+            <a:ext cx="4437630" cy="1950410"/>
+          </a:xfrm>
+          <a:prstGeom prst="rect">
+            <a:avLst/>
+          </a:prstGeom>
+        </p:spPr>
+      </p:pic>
+      <p:sp>
+        <p:nvSpPr>
+          <p:cNvPr id="6" name="TextBox 5">
+            <a:extLst>
+              <a:ext uri="{FF2B5EF4-FFF2-40B4-BE49-F238E27FC236}">
+                <a16:creationId xmlns:a16="http://schemas.microsoft.com/office/drawing/2014/main" id="{6B59D0DD-4DDE-E946-9394-BA7C793AAE82}"/>
+              </a:ext>
+            </a:extLst>
+          </p:cNvPr>
+          <p:cNvSpPr txBox="1"/>
+          <p:nvPr/>
+        </p:nvSpPr>
+        <p:spPr>
+          <a:xfrm>
+            <a:off x="8821901" y="1441377"/>
+            <a:ext cx="1928692" cy="369332"/>
+          </a:xfrm>
+          <a:prstGeom prst="rect">
+            <a:avLst/>
+          </a:prstGeom>
+          <a:noFill/>
+        </p:spPr>
+        <p:txBody>
+          <a:bodyPr wrap="square" rtlCol="0">
+            <a:spAutoFit/>
+          </a:bodyPr>
+          <a:lstStyle/>
+          <a:p>
+            <a:r>
+              <a:rPr lang="en-US" dirty="0"/>
+              <a:t>Video app</a:t>
+            </a:r>
+          </a:p>
+        </p:txBody>
+      </p:sp>
+      <p:sp>
+        <p:nvSpPr>
+          <p:cNvPr id="7" name="TextBox 6">
+            <a:extLst>
+              <a:ext uri="{FF2B5EF4-FFF2-40B4-BE49-F238E27FC236}">
+                <a16:creationId xmlns:a16="http://schemas.microsoft.com/office/drawing/2014/main" id="{7274C0EB-3263-E84E-9B94-9F4630EA39BD}"/>
+              </a:ext>
+            </a:extLst>
+          </p:cNvPr>
+          <p:cNvSpPr txBox="1"/>
+          <p:nvPr/>
+        </p:nvSpPr>
+        <p:spPr>
+          <a:xfrm>
+            <a:off x="8769314" y="4203166"/>
+            <a:ext cx="1921009" cy="369168"/>
+          </a:xfrm>
+          <a:prstGeom prst="rect">
+            <a:avLst/>
+          </a:prstGeom>
+          <a:noFill/>
+        </p:spPr>
+        <p:txBody>
+          <a:bodyPr wrap="square" rtlCol="0">
+            <a:spAutoFit/>
+          </a:bodyPr>
+          <a:lstStyle/>
+          <a:p>
+            <a:r>
+              <a:rPr lang="en-US" dirty="0"/>
+              <a:t>Audio app</a:t>
+            </a:r>
+          </a:p>
+        </p:txBody>
+      </p:sp>
+    </p:spTree>
+    <p:extLst>
+      <p:ext uri="{BB962C8B-B14F-4D97-AF65-F5344CB8AC3E}">
+        <p14:creationId xmlns:p14="http://schemas.microsoft.com/office/powerpoint/2010/main" val="1326093320"/>
       </p:ext>
     </p:extLst>
   </p:cSld>
@@ -3219,7 +4633,7 @@
         <a:srgbClr val="E7E6E6"/>
       </a:lt2>
       <a:accent1>
-        <a:srgbClr val="5B9BD5"/>
+        <a:srgbClr val="4472C4"/>
       </a:accent1>
       <a:accent2>
         <a:srgbClr val="ED7D31"/>
@@ -3231,7 +4645,7 @@
         <a:srgbClr val="FFC000"/>
       </a:accent4>
       <a:accent5>
-        <a:srgbClr val="4472C4"/>
+        <a:srgbClr val="5B9BD5"/>
       </a:accent5>
       <a:accent6>
         <a:srgbClr val="70AD47"/>
@@ -3278,6 +4692,23 @@
         <a:font script="Viet" typeface="Times New Roman"/>
         <a:font script="Uigh" typeface="Microsoft Uighur"/>
         <a:font script="Geor" typeface="Sylfaen"/>
+        <a:font script="Armn" typeface="Arial"/>
+        <a:font script="Bugi" typeface="Leelawadee UI"/>
+        <a:font script="Bopo" typeface="Microsoft JhengHei"/>
+        <a:font script="Java" typeface="Javanese Text"/>
+        <a:font script="Lisu" typeface="Segoe UI"/>
+        <a:font script="Mymr" typeface="Myanmar Text"/>
+        <a:font script="Nkoo" typeface="Ebrima"/>
+        <a:font script="Olck" typeface="Nirmala UI"/>
+        <a:font script="Osma" typeface="Ebrima"/>
+        <a:font script="Phag" typeface="Phagspa"/>
+        <a:font script="Syrn" typeface="Estrangelo Edessa"/>
+        <a:font script="Syrj" typeface="Estrangelo Edessa"/>
+        <a:font script="Syre" typeface="Estrangelo Edessa"/>
+        <a:font script="Sora" typeface="Nirmala UI"/>
+        <a:font script="Tale" typeface="Microsoft Tai Le"/>
+        <a:font script="Talu" typeface="Microsoft New Tai Lue"/>
+        <a:font script="Tfng" typeface="Ebrima"/>
       </a:majorFont>
       <a:minorFont>
         <a:latin typeface="Calibri" panose="020F0502020204030204"/>
@@ -3313,6 +4744,23 @@
         <a:font script="Viet" typeface="Arial"/>
         <a:font script="Uigh" typeface="Microsoft Uighur"/>
         <a:font script="Geor" typeface="Sylfaen"/>
+        <a:font script="Armn" typeface="Arial"/>
+        <a:font script="Bugi" typeface="Leelawadee UI"/>
+        <a:font script="Bopo" typeface="Microsoft JhengHei"/>
+        <a:font script="Java" typeface="Javanese Text"/>
+        <a:font script="Lisu" typeface="Segoe UI"/>
+        <a:font script="Mymr" typeface="Myanmar Text"/>
+        <a:font script="Nkoo" typeface="Ebrima"/>
+        <a:font script="Olck" typeface="Nirmala UI"/>
+        <a:font script="Osma" typeface="Ebrima"/>
+        <a:font script="Phag" typeface="Phagspa"/>
+        <a:font script="Syrn" typeface="Estrangelo Edessa"/>
+        <a:font script="Syrj" typeface="Estrangelo Edessa"/>
+        <a:font script="Syre" typeface="Estrangelo Edessa"/>
+        <a:font script="Sora" typeface="Nirmala UI"/>
+        <a:font script="Tale" typeface="Microsoft Tai Le"/>
+        <a:font script="Talu" typeface="Microsoft New Tai Lue"/>
+        <a:font script="Tfng" typeface="Ebrima"/>
       </a:minorFont>
     </a:fontScheme>
     <a:fmtScheme name="Office">
